--- a/lec02/lec02_Turtle.pptx
+++ b/lec02/lec02_Turtle.pptx
@@ -5,7 +5,7 @@
     <p:sldMasterId id="2147483795" r:id="rId1"/>
   </p:sldMasterIdLst>
   <p:notesMasterIdLst>
-    <p:notesMasterId r:id="rId13"/>
+    <p:notesMasterId r:id="rId14"/>
   </p:notesMasterIdLst>
   <p:sldIdLst>
     <p:sldId id="272" r:id="rId2"/>
@@ -17,8 +17,9 @@
     <p:sldId id="263" r:id="rId8"/>
     <p:sldId id="265" r:id="rId9"/>
     <p:sldId id="269" r:id="rId10"/>
-    <p:sldId id="257" r:id="rId11"/>
-    <p:sldId id="266" r:id="rId12"/>
+    <p:sldId id="273" r:id="rId11"/>
+    <p:sldId id="257" r:id="rId12"/>
+    <p:sldId id="266" r:id="rId13"/>
   </p:sldIdLst>
   <p:sldSz cx="12192000" cy="6858000"/>
   <p:notesSz cx="6858000" cy="9144000"/>
@@ -215,7 +216,7 @@
           <a:p>
             <a:fld id="{04FFE712-A26B-0143-8ED7-35E624D38358}" type="datetimeFigureOut">
               <a:rPr lang="en-US" smtClean="0"/>
-              <a:t>6/29/20</a:t>
+              <a:t>6/30/20</a:t>
             </a:fld>
             <a:endParaRPr lang="en-US"/>
           </a:p>
@@ -577,7 +578,7 @@
           <a:effectLst/>
           <a:extLst>
             <a:ext uri="{91240B29-F687-4f45-9708-019B960494DF}">
-              <a14:hiddenLine xmlns:a14="http://schemas.microsoft.com/office/drawing/2010/main" xmlns="" w="9525">
+              <a14:hiddenLine xmlns="" xmlns:a14="http://schemas.microsoft.com/office/drawing/2010/main" w="9525">
                 <a:solidFill>
                   <a:srgbClr val="000000"/>
                 </a:solidFill>
@@ -769,7 +770,7 @@
           <a:p>
             <a:fld id="{BCCC848F-6185-D24C-8AC6-1AEBBA8AB9E9}" type="datetimeFigureOut">
               <a:rPr lang="en-US" smtClean="0"/>
-              <a:t>6/29/20</a:t>
+              <a:t>6/30/20</a:t>
             </a:fld>
             <a:endParaRPr lang="en-US"/>
           </a:p>
@@ -1087,7 +1088,7 @@
           <a:p>
             <a:fld id="{BCCC848F-6185-D24C-8AC6-1AEBBA8AB9E9}" type="datetimeFigureOut">
               <a:rPr lang="en-US" smtClean="0"/>
-              <a:t>6/29/20</a:t>
+              <a:t>6/30/20</a:t>
             </a:fld>
             <a:endParaRPr lang="en-US"/>
           </a:p>
@@ -1575,7 +1576,7 @@
           <a:p>
             <a:fld id="{BCCC848F-6185-D24C-8AC6-1AEBBA8AB9E9}" type="datetimeFigureOut">
               <a:rPr lang="en-US" smtClean="0"/>
-              <a:t>6/29/20</a:t>
+              <a:t>6/30/20</a:t>
             </a:fld>
             <a:endParaRPr lang="en-US"/>
           </a:p>
@@ -1944,7 +1945,7 @@
           <a:p>
             <a:fld id="{BCCC848F-6185-D24C-8AC6-1AEBBA8AB9E9}" type="datetimeFigureOut">
               <a:rPr lang="en-US" smtClean="0"/>
-              <a:t>6/29/20</a:t>
+              <a:t>6/30/20</a:t>
             </a:fld>
             <a:endParaRPr lang="en-US"/>
           </a:p>
@@ -2099,7 +2100,7 @@
           <a:ln/>
           <a:extLst>
             <a:ext uri="{91240B29-F687-4f45-9708-019B960494DF}">
-              <a14:hiddenLine xmlns:a14="http://schemas.microsoft.com/office/drawing/2010/main" xmlns="" w="9525">
+              <a14:hiddenLine xmlns="" xmlns:a14="http://schemas.microsoft.com/office/drawing/2010/main" w="9525">
                 <a:solidFill>
                   <a:srgbClr val="000000"/>
                 </a:solidFill>
@@ -2217,7 +2218,7 @@
           <a:p>
             <a:fld id="{BCCC848F-6185-D24C-8AC6-1AEBBA8AB9E9}" type="datetimeFigureOut">
               <a:rPr lang="en-US" smtClean="0"/>
-              <a:t>6/29/20</a:t>
+              <a:t>6/30/20</a:t>
             </a:fld>
             <a:endParaRPr lang="en-US"/>
           </a:p>
@@ -2374,7 +2375,7 @@
           <a:ln/>
           <a:extLst>
             <a:ext uri="{91240B29-F687-4f45-9708-019B960494DF}">
-              <a14:hiddenLine xmlns:a14="http://schemas.microsoft.com/office/drawing/2010/main" xmlns="" w="9525">
+              <a14:hiddenLine xmlns="" xmlns:a14="http://schemas.microsoft.com/office/drawing/2010/main" w="9525">
                 <a:solidFill>
                   <a:srgbClr val="000000"/>
                 </a:solidFill>
@@ -2502,7 +2503,7 @@
           <a:p>
             <a:fld id="{BCCC848F-6185-D24C-8AC6-1AEBBA8AB9E9}" type="datetimeFigureOut">
               <a:rPr lang="en-US" smtClean="0"/>
-              <a:t>6/29/20</a:t>
+              <a:t>6/30/20</a:t>
             </a:fld>
             <a:endParaRPr lang="en-US"/>
           </a:p>
@@ -2657,7 +2658,7 @@
           <a:ln/>
           <a:extLst>
             <a:ext uri="{91240B29-F687-4f45-9708-019B960494DF}">
-              <a14:hiddenLine xmlns:a14="http://schemas.microsoft.com/office/drawing/2010/main" xmlns="" w="9525">
+              <a14:hiddenLine xmlns="" xmlns:a14="http://schemas.microsoft.com/office/drawing/2010/main" w="9525">
                 <a:solidFill>
                   <a:srgbClr val="000000"/>
                 </a:solidFill>
@@ -2785,7 +2786,7 @@
           <a:p>
             <a:fld id="{BCCC848F-6185-D24C-8AC6-1AEBBA8AB9E9}" type="datetimeFigureOut">
               <a:rPr lang="en-US" smtClean="0"/>
-              <a:t>6/29/20</a:t>
+              <a:t>6/30/20</a:t>
             </a:fld>
             <a:endParaRPr lang="en-US"/>
           </a:p>
@@ -3128,7 +3129,7 @@
           <a:p>
             <a:fld id="{BCCC848F-6185-D24C-8AC6-1AEBBA8AB9E9}" type="datetimeFigureOut">
               <a:rPr lang="en-US" smtClean="0"/>
-              <a:t>6/29/20</a:t>
+              <a:t>6/30/20</a:t>
             </a:fld>
             <a:endParaRPr lang="en-US"/>
           </a:p>
@@ -3283,7 +3284,7 @@
           <a:ln/>
           <a:extLst>
             <a:ext uri="{91240B29-F687-4f45-9708-019B960494DF}">
-              <a14:hiddenLine xmlns:a14="http://schemas.microsoft.com/office/drawing/2010/main" xmlns="" w="9525">
+              <a14:hiddenLine xmlns="" xmlns:a14="http://schemas.microsoft.com/office/drawing/2010/main" w="9525">
                 <a:solidFill>
                   <a:srgbClr val="000000"/>
                 </a:solidFill>
@@ -3467,7 +3468,7 @@
           <a:p>
             <a:fld id="{BCCC848F-6185-D24C-8AC6-1AEBBA8AB9E9}" type="datetimeFigureOut">
               <a:rPr lang="en-US" smtClean="0"/>
-              <a:t>6/29/20</a:t>
+              <a:t>6/30/20</a:t>
             </a:fld>
             <a:endParaRPr lang="en-US"/>
           </a:p>
@@ -3622,7 +3623,7 @@
           <a:ln/>
           <a:extLst>
             <a:ext uri="{91240B29-F687-4f45-9708-019B960494DF}">
-              <a14:hiddenLine xmlns:a14="http://schemas.microsoft.com/office/drawing/2010/main" xmlns="" w="9525">
+              <a14:hiddenLine xmlns="" xmlns:a14="http://schemas.microsoft.com/office/drawing/2010/main" w="9525">
                 <a:solidFill>
                   <a:srgbClr val="000000"/>
                 </a:solidFill>
@@ -3944,7 +3945,7 @@
           <a:p>
             <a:fld id="{BCCC848F-6185-D24C-8AC6-1AEBBA8AB9E9}" type="datetimeFigureOut">
               <a:rPr lang="en-US" smtClean="0"/>
-              <a:t>6/29/20</a:t>
+              <a:t>6/30/20</a:t>
             </a:fld>
             <a:endParaRPr lang="en-US"/>
           </a:p>
@@ -4099,7 +4100,7 @@
           <a:ln/>
           <a:extLst>
             <a:ext uri="{91240B29-F687-4f45-9708-019B960494DF}">
-              <a14:hiddenLine xmlns:a14="http://schemas.microsoft.com/office/drawing/2010/main" xmlns="" w="9525">
+              <a14:hiddenLine xmlns="" xmlns:a14="http://schemas.microsoft.com/office/drawing/2010/main" w="9525">
                 <a:solidFill>
                   <a:srgbClr val="000000"/>
                 </a:solidFill>
@@ -4165,7 +4166,7 @@
           <a:p>
             <a:fld id="{BCCC848F-6185-D24C-8AC6-1AEBBA8AB9E9}" type="datetimeFigureOut">
               <a:rPr lang="en-US" smtClean="0"/>
-              <a:t>6/29/20</a:t>
+              <a:t>6/30/20</a:t>
             </a:fld>
             <a:endParaRPr lang="en-US"/>
           </a:p>
@@ -4260,7 +4261,7 @@
           <a:p>
             <a:fld id="{BCCC848F-6185-D24C-8AC6-1AEBBA8AB9E9}" type="datetimeFigureOut">
               <a:rPr lang="en-US" smtClean="0"/>
-              <a:t>6/29/20</a:t>
+              <a:t>6/30/20</a:t>
             </a:fld>
             <a:endParaRPr lang="en-US"/>
           </a:p>
@@ -4528,7 +4529,7 @@
           <a:ln/>
           <a:extLst>
             <a:ext uri="{91240B29-F687-4f45-9708-019B960494DF}">
-              <a14:hiddenLine xmlns:a14="http://schemas.microsoft.com/office/drawing/2010/main" xmlns="" w="9525">
+              <a14:hiddenLine xmlns="" xmlns:a14="http://schemas.microsoft.com/office/drawing/2010/main" w="9525">
                 <a:solidFill>
                   <a:srgbClr val="000000"/>
                 </a:solidFill>
@@ -4727,7 +4728,7 @@
           <a:p>
             <a:fld id="{BCCC848F-6185-D24C-8AC6-1AEBBA8AB9E9}" type="datetimeFigureOut">
               <a:rPr lang="en-US" smtClean="0"/>
-              <a:t>6/29/20</a:t>
+              <a:t>6/30/20</a:t>
             </a:fld>
             <a:endParaRPr lang="en-US"/>
           </a:p>
@@ -5040,7 +5041,7 @@
           <a:p>
             <a:fld id="{BCCC848F-6185-D24C-8AC6-1AEBBA8AB9E9}" type="datetimeFigureOut">
               <a:rPr lang="en-US" smtClean="0"/>
-              <a:t>6/29/20</a:t>
+              <a:t>6/30/20</a:t>
             </a:fld>
             <a:endParaRPr lang="en-US"/>
           </a:p>
@@ -5310,7 +5311,7 @@
           <a:p>
             <a:fld id="{BCCC848F-6185-D24C-8AC6-1AEBBA8AB9E9}" type="datetimeFigureOut">
               <a:rPr lang="en-US" smtClean="0"/>
-              <a:t>6/29/20</a:t>
+              <a:t>6/30/20</a:t>
             </a:fld>
             <a:endParaRPr lang="en-US"/>
           </a:p>
@@ -6140,10 +6141,1273 @@
       </p:grpSpPr>
       <p:pic>
         <p:nvPicPr>
+          <p:cNvPr id="4" name="Picture 3"/>
+          <p:cNvPicPr>
+            <a:picLocks noChangeAspect="1"/>
+          </p:cNvPicPr>
+          <p:nvPr/>
+        </p:nvPicPr>
+        <p:blipFill>
+          <a:blip r:embed="rId2"/>
+          <a:stretch>
+            <a:fillRect/>
+          </a:stretch>
+        </p:blipFill>
+        <p:spPr>
+          <a:xfrm>
+            <a:off x="7462679" y="2609056"/>
+            <a:ext cx="3498735" cy="3498735"/>
+          </a:xfrm>
+          <a:prstGeom prst="rect">
+            <a:avLst/>
+          </a:prstGeom>
+        </p:spPr>
+      </p:pic>
+      <p:sp>
+        <p:nvSpPr>
+          <p:cNvPr id="2" name="Title 1"/>
+          <p:cNvSpPr>
+            <a:spLocks noGrp="1"/>
+          </p:cNvSpPr>
+          <p:nvPr>
+            <p:ph type="title"/>
+          </p:nvPr>
+        </p:nvSpPr>
+        <p:spPr>
+          <a:xfrm>
+            <a:off x="296899" y="408709"/>
+            <a:ext cx="10571998" cy="970450"/>
+          </a:xfrm>
+        </p:spPr>
+        <p:txBody>
+          <a:bodyPr/>
+          <a:lstStyle/>
+          <a:p>
+            <a:r>
+              <a:rPr lang="en-US" dirty="0" smtClean="0"/>
+              <a:t>Project: Draw snow flakes</a:t>
+            </a:r>
+            <a:endParaRPr lang="en-US" dirty="0"/>
+          </a:p>
+        </p:txBody>
+      </p:sp>
+      <p:sp>
+        <p:nvSpPr>
+          <p:cNvPr id="11" name="Rectangle 10"/>
+          <p:cNvSpPr/>
+          <p:nvPr/>
+        </p:nvSpPr>
+        <p:spPr>
+          <a:xfrm>
+            <a:off x="7436335" y="2604051"/>
+            <a:ext cx="3525079" cy="3498574"/>
+          </a:xfrm>
+          <a:prstGeom prst="rect">
+            <a:avLst/>
+          </a:prstGeom>
+          <a:noFill/>
+          <a:ln w="50800"/>
+        </p:spPr>
+        <p:style>
+          <a:lnRef idx="2">
+            <a:schemeClr val="dk1"/>
+          </a:lnRef>
+          <a:fillRef idx="1">
+            <a:schemeClr val="lt1"/>
+          </a:fillRef>
+          <a:effectRef idx="0">
+            <a:schemeClr val="dk1"/>
+          </a:effectRef>
+          <a:fontRef idx="minor">
+            <a:schemeClr val="dk1"/>
+          </a:fontRef>
+        </p:style>
+        <p:txBody>
+          <a:bodyPr rtlCol="0" anchor="ctr"/>
+          <a:lstStyle/>
+          <a:p>
+            <a:pPr algn="ctr"/>
+            <a:endParaRPr lang="en-US">
+              <a:solidFill>
+                <a:srgbClr val="FF0000"/>
+              </a:solidFill>
+            </a:endParaRPr>
+          </a:p>
+        </p:txBody>
+      </p:sp>
+      <p:sp>
+        <p:nvSpPr>
+          <p:cNvPr id="3" name="TextBox 2"/>
+          <p:cNvSpPr txBox="1"/>
+          <p:nvPr/>
+        </p:nvSpPr>
+        <p:spPr>
+          <a:xfrm>
+            <a:off x="6944139" y="2234719"/>
+            <a:ext cx="1265090" cy="369332"/>
+          </a:xfrm>
+          <a:prstGeom prst="rect">
+            <a:avLst/>
+          </a:prstGeom>
+          <a:noFill/>
+        </p:spPr>
+        <p:txBody>
+          <a:bodyPr wrap="none" rtlCol="0">
+            <a:spAutoFit/>
+          </a:bodyPr>
+          <a:lstStyle/>
+          <a:p>
+            <a:r>
+              <a:rPr lang="en-US" dirty="0" smtClean="0"/>
+              <a:t>(-200,200)</a:t>
+            </a:r>
+            <a:endParaRPr lang="en-US" dirty="0"/>
+          </a:p>
+        </p:txBody>
+      </p:sp>
+      <p:sp>
+        <p:nvSpPr>
+          <p:cNvPr id="8" name="TextBox 7"/>
+          <p:cNvSpPr txBox="1"/>
+          <p:nvPr/>
+        </p:nvSpPr>
+        <p:spPr>
+          <a:xfrm>
+            <a:off x="10212398" y="2234719"/>
+            <a:ext cx="1188146" cy="369332"/>
+          </a:xfrm>
+          <a:prstGeom prst="rect">
+            <a:avLst/>
+          </a:prstGeom>
+          <a:noFill/>
+        </p:spPr>
+        <p:txBody>
+          <a:bodyPr wrap="none" rtlCol="0">
+            <a:spAutoFit/>
+          </a:bodyPr>
+          <a:lstStyle/>
+          <a:p>
+            <a:r>
+              <a:rPr lang="en-US" dirty="0" smtClean="0"/>
+              <a:t>(200,200)</a:t>
+            </a:r>
+            <a:endParaRPr lang="en-US" dirty="0"/>
+          </a:p>
+        </p:txBody>
+      </p:sp>
+      <p:sp>
+        <p:nvSpPr>
+          <p:cNvPr id="13" name="TextBox 12"/>
+          <p:cNvSpPr txBox="1"/>
+          <p:nvPr/>
+        </p:nvSpPr>
+        <p:spPr>
+          <a:xfrm>
+            <a:off x="6803790" y="6102625"/>
+            <a:ext cx="1342034" cy="369332"/>
+          </a:xfrm>
+          <a:prstGeom prst="rect">
+            <a:avLst/>
+          </a:prstGeom>
+          <a:noFill/>
+        </p:spPr>
+        <p:txBody>
+          <a:bodyPr wrap="none" rtlCol="0">
+            <a:spAutoFit/>
+          </a:bodyPr>
+          <a:lstStyle/>
+          <a:p>
+            <a:r>
+              <a:rPr lang="en-US" dirty="0" smtClean="0"/>
+              <a:t>(-200,-200)</a:t>
+            </a:r>
+            <a:endParaRPr lang="en-US" dirty="0"/>
+          </a:p>
+        </p:txBody>
+      </p:sp>
+      <p:sp>
+        <p:nvSpPr>
+          <p:cNvPr id="14" name="TextBox 13"/>
+          <p:cNvSpPr txBox="1"/>
+          <p:nvPr/>
+        </p:nvSpPr>
+        <p:spPr>
+          <a:xfrm>
+            <a:off x="10280353" y="6102625"/>
+            <a:ext cx="1265090" cy="369332"/>
+          </a:xfrm>
+          <a:prstGeom prst="rect">
+            <a:avLst/>
+          </a:prstGeom>
+          <a:noFill/>
+        </p:spPr>
+        <p:txBody>
+          <a:bodyPr wrap="none" rtlCol="0">
+            <a:spAutoFit/>
+          </a:bodyPr>
+          <a:lstStyle/>
+          <a:p>
+            <a:r>
+              <a:rPr lang="en-US" dirty="0" smtClean="0"/>
+              <a:t>(200,-200)</a:t>
+            </a:r>
+            <a:endParaRPr lang="en-US" dirty="0"/>
+          </a:p>
+        </p:txBody>
+      </p:sp>
+      <p:sp>
+        <p:nvSpPr>
+          <p:cNvPr id="5" name="Rectangle 4"/>
+          <p:cNvSpPr/>
+          <p:nvPr/>
+        </p:nvSpPr>
+        <p:spPr>
+          <a:xfrm>
+            <a:off x="5009323" y="1404223"/>
+            <a:ext cx="7248938" cy="369332"/>
+          </a:xfrm>
+          <a:prstGeom prst="rect">
+            <a:avLst/>
+          </a:prstGeom>
+        </p:spPr>
+        <p:txBody>
+          <a:bodyPr wrap="square">
+            <a:spAutoFit/>
+          </a:bodyPr>
+          <a:lstStyle/>
+          <a:p>
+            <a:r>
+              <a:rPr lang="en-US" dirty="0"/>
+              <a:t>https://</a:t>
+            </a:r>
+            <a:r>
+              <a:rPr lang="en-US" dirty="0" err="1"/>
+              <a:t>www.tutorialspoint.com</a:t>
+            </a:r>
+            <a:r>
+              <a:rPr lang="en-US" dirty="0"/>
+              <a:t>/turtle-programming-in-python</a:t>
+            </a:r>
+          </a:p>
+        </p:txBody>
+      </p:sp>
+      <p:cxnSp>
+        <p:nvCxnSpPr>
+          <p:cNvPr id="30" name="Straight Connector 29"/>
+          <p:cNvCxnSpPr/>
+          <p:nvPr/>
+        </p:nvCxnSpPr>
+        <p:spPr>
+          <a:xfrm>
+            <a:off x="5287709" y="3423770"/>
+            <a:ext cx="1209674" cy="1122368"/>
+          </a:xfrm>
+          <a:prstGeom prst="line">
+            <a:avLst/>
+          </a:prstGeom>
+          <a:ln/>
+        </p:spPr>
+        <p:style>
+          <a:lnRef idx="1">
+            <a:schemeClr val="dk1"/>
+          </a:lnRef>
+          <a:fillRef idx="0">
+            <a:schemeClr val="dk1"/>
+          </a:fillRef>
+          <a:effectRef idx="0">
+            <a:schemeClr val="dk1"/>
+          </a:effectRef>
+          <a:fontRef idx="minor">
+            <a:schemeClr val="tx1"/>
+          </a:fontRef>
+        </p:style>
+      </p:cxnSp>
+      <p:cxnSp>
+        <p:nvCxnSpPr>
+          <p:cNvPr id="29" name="Straight Connector 28"/>
+          <p:cNvCxnSpPr/>
+          <p:nvPr/>
+        </p:nvCxnSpPr>
+        <p:spPr>
+          <a:xfrm flipV="1">
+            <a:off x="5674652" y="4210871"/>
+            <a:ext cx="414989" cy="1614647"/>
+          </a:xfrm>
+          <a:prstGeom prst="line">
+            <a:avLst/>
+          </a:prstGeom>
+          <a:ln/>
+        </p:spPr>
+        <p:style>
+          <a:lnRef idx="1">
+            <a:schemeClr val="dk1"/>
+          </a:lnRef>
+          <a:fillRef idx="0">
+            <a:schemeClr val="dk1"/>
+          </a:fillRef>
+          <a:effectRef idx="0">
+            <a:schemeClr val="dk1"/>
+          </a:effectRef>
+          <a:fontRef idx="minor">
+            <a:schemeClr val="tx1"/>
+          </a:fontRef>
+        </p:style>
+      </p:cxnSp>
+      <p:cxnSp>
+        <p:nvCxnSpPr>
+          <p:cNvPr id="43" name="Straight Connector 42"/>
+          <p:cNvCxnSpPr/>
+          <p:nvPr/>
+        </p:nvCxnSpPr>
+        <p:spPr>
+          <a:xfrm flipH="1" flipV="1">
+            <a:off x="4414297" y="4125559"/>
+            <a:ext cx="1401650" cy="1036675"/>
+          </a:xfrm>
+          <a:prstGeom prst="line">
+            <a:avLst/>
+          </a:prstGeom>
+          <a:ln/>
+        </p:spPr>
+        <p:style>
+          <a:lnRef idx="1">
+            <a:schemeClr val="dk1"/>
+          </a:lnRef>
+          <a:fillRef idx="0">
+            <a:schemeClr val="dk1"/>
+          </a:fillRef>
+          <a:effectRef idx="0">
+            <a:schemeClr val="dk1"/>
+          </a:effectRef>
+          <a:fontRef idx="minor">
+            <a:schemeClr val="tx1"/>
+          </a:fontRef>
+        </p:style>
+      </p:cxnSp>
+      <p:cxnSp>
+        <p:nvCxnSpPr>
+          <p:cNvPr id="46" name="Straight Connector 45"/>
+          <p:cNvCxnSpPr/>
+          <p:nvPr/>
+        </p:nvCxnSpPr>
+        <p:spPr>
+          <a:xfrm flipV="1">
+            <a:off x="4926299" y="3423770"/>
+            <a:ext cx="348537" cy="1111858"/>
+          </a:xfrm>
+          <a:prstGeom prst="line">
+            <a:avLst/>
+          </a:prstGeom>
+          <a:ln/>
+        </p:spPr>
+        <p:style>
+          <a:lnRef idx="1">
+            <a:schemeClr val="dk1"/>
+          </a:lnRef>
+          <a:fillRef idx="0">
+            <a:schemeClr val="dk1"/>
+          </a:fillRef>
+          <a:effectRef idx="0">
+            <a:schemeClr val="dk1"/>
+          </a:effectRef>
+          <a:fontRef idx="minor">
+            <a:schemeClr val="tx1"/>
+          </a:fontRef>
+        </p:style>
+      </p:cxnSp>
+      <p:sp>
+        <p:nvSpPr>
+          <p:cNvPr id="26" name="Arc 25"/>
+          <p:cNvSpPr/>
+          <p:nvPr/>
+        </p:nvSpPr>
+        <p:spPr>
+          <a:xfrm rot="9845956" flipH="1" flipV="1">
+            <a:off x="4722644" y="4090077"/>
+            <a:ext cx="282832" cy="489951"/>
+          </a:xfrm>
+          <a:prstGeom prst="arc">
+            <a:avLst>
+              <a:gd name="adj1" fmla="val 10217461"/>
+              <a:gd name="adj2" fmla="val 0"/>
+            </a:avLst>
+          </a:prstGeom>
+        </p:spPr>
+        <p:style>
+          <a:lnRef idx="1">
+            <a:schemeClr val="accent1"/>
+          </a:lnRef>
+          <a:fillRef idx="0">
+            <a:schemeClr val="accent1"/>
+          </a:fillRef>
+          <a:effectRef idx="0">
+            <a:schemeClr val="accent1"/>
+          </a:effectRef>
+          <a:fontRef idx="minor">
+            <a:schemeClr val="tx1"/>
+          </a:fontRef>
+        </p:style>
+        <p:txBody>
+          <a:bodyPr rtlCol="0" anchor="ctr"/>
+          <a:lstStyle/>
+          <a:p>
+            <a:pPr algn="ctr"/>
+            <a:endParaRPr lang="en-US"/>
+          </a:p>
+        </p:txBody>
+      </p:sp>
+      <p:sp>
+        <p:nvSpPr>
+          <p:cNvPr id="48" name="TextBox 47"/>
+          <p:cNvSpPr txBox="1"/>
+          <p:nvPr/>
+        </p:nvSpPr>
+        <p:spPr>
+          <a:xfrm>
+            <a:off x="5617298" y="3510521"/>
+            <a:ext cx="569387" cy="369332"/>
+          </a:xfrm>
+          <a:prstGeom prst="rect">
+            <a:avLst/>
+          </a:prstGeom>
+          <a:noFill/>
+        </p:spPr>
+        <p:txBody>
+          <a:bodyPr wrap="none" rtlCol="0">
+            <a:spAutoFit/>
+          </a:bodyPr>
+          <a:lstStyle/>
+          <a:p>
+            <a:r>
+              <a:rPr lang="en-US" smtClean="0"/>
+              <a:t>100</a:t>
+            </a:r>
+            <a:endParaRPr lang="en-US" dirty="0"/>
+          </a:p>
+        </p:txBody>
+      </p:sp>
+      <p:sp>
+        <p:nvSpPr>
+          <p:cNvPr id="49" name="TextBox 48"/>
+          <p:cNvSpPr txBox="1"/>
+          <p:nvPr/>
+        </p:nvSpPr>
+        <p:spPr>
+          <a:xfrm>
+            <a:off x="5001769" y="3841539"/>
+            <a:ext cx="569387" cy="369332"/>
+          </a:xfrm>
+          <a:prstGeom prst="rect">
+            <a:avLst/>
+          </a:prstGeom>
+          <a:noFill/>
+        </p:spPr>
+        <p:txBody>
+          <a:bodyPr wrap="none" rtlCol="0">
+            <a:spAutoFit/>
+          </a:bodyPr>
+          <a:lstStyle/>
+          <a:p>
+            <a:r>
+              <a:rPr lang="en-US" dirty="0" smtClean="0"/>
+              <a:t>100</a:t>
+            </a:r>
+            <a:endParaRPr lang="en-US" dirty="0"/>
+          </a:p>
+        </p:txBody>
+      </p:sp>
+      <p:sp>
+        <p:nvSpPr>
+          <p:cNvPr id="50" name="TextBox 49"/>
+          <p:cNvSpPr txBox="1"/>
+          <p:nvPr/>
+        </p:nvSpPr>
+        <p:spPr>
+          <a:xfrm>
+            <a:off x="4676186" y="3486279"/>
+            <a:ext cx="569387" cy="369332"/>
+          </a:xfrm>
+          <a:prstGeom prst="rect">
+            <a:avLst/>
+          </a:prstGeom>
+          <a:noFill/>
+        </p:spPr>
+        <p:txBody>
+          <a:bodyPr wrap="none" rtlCol="0">
+            <a:spAutoFit/>
+          </a:bodyPr>
+          <a:lstStyle/>
+          <a:p>
+            <a:r>
+              <a:rPr lang="en-US" smtClean="0"/>
+              <a:t>100</a:t>
+            </a:r>
+            <a:endParaRPr lang="en-US" dirty="0"/>
+          </a:p>
+        </p:txBody>
+      </p:sp>
+      <p:sp>
+        <p:nvSpPr>
+          <p:cNvPr id="51" name="TextBox 50"/>
+          <p:cNvSpPr txBox="1"/>
+          <p:nvPr/>
+        </p:nvSpPr>
+        <p:spPr>
+          <a:xfrm>
+            <a:off x="4739129" y="4611722"/>
+            <a:ext cx="569387" cy="369332"/>
+          </a:xfrm>
+          <a:prstGeom prst="rect">
+            <a:avLst/>
+          </a:prstGeom>
+          <a:noFill/>
+        </p:spPr>
+        <p:txBody>
+          <a:bodyPr wrap="none" rtlCol="0">
+            <a:spAutoFit/>
+          </a:bodyPr>
+          <a:lstStyle/>
+          <a:p>
+            <a:r>
+              <a:rPr lang="en-US" smtClean="0"/>
+              <a:t>100</a:t>
+            </a:r>
+            <a:endParaRPr lang="en-US" dirty="0"/>
+          </a:p>
+        </p:txBody>
+      </p:sp>
+      <p:sp>
+        <p:nvSpPr>
+          <p:cNvPr id="52" name="TextBox 51"/>
+          <p:cNvSpPr txBox="1"/>
+          <p:nvPr/>
+        </p:nvSpPr>
+        <p:spPr>
+          <a:xfrm>
+            <a:off x="6017037" y="4666025"/>
+            <a:ext cx="776175" cy="276999"/>
+          </a:xfrm>
+          <a:prstGeom prst="rect">
+            <a:avLst/>
+          </a:prstGeom>
+          <a:noFill/>
+        </p:spPr>
+        <p:txBody>
+          <a:bodyPr wrap="none" rtlCol="0">
+            <a:spAutoFit/>
+          </a:bodyPr>
+          <a:lstStyle/>
+          <a:p>
+            <a:r>
+              <a:rPr lang="en-US" sz="1200" dirty="0" smtClean="0"/>
+              <a:t>6</a:t>
+            </a:r>
+            <a:r>
+              <a:rPr lang="en-US" sz="1200" dirty="0" smtClean="0"/>
+              <a:t>0(</a:t>
+            </a:r>
+            <a:r>
+              <a:rPr lang="en-US" sz="1200" dirty="0" err="1" smtClean="0"/>
+              <a:t>deg</a:t>
+            </a:r>
+            <a:r>
+              <a:rPr lang="en-US" sz="1200" dirty="0" smtClean="0"/>
+              <a:t>)</a:t>
+            </a:r>
+            <a:endParaRPr lang="en-US" sz="1200" dirty="0"/>
+          </a:p>
+        </p:txBody>
+      </p:sp>
+      <p:sp>
+        <p:nvSpPr>
+          <p:cNvPr id="53" name="Arc 52"/>
+          <p:cNvSpPr/>
+          <p:nvPr/>
+        </p:nvSpPr>
+        <p:spPr>
+          <a:xfrm rot="11322709" flipH="1" flipV="1">
+            <a:off x="5354286" y="5021051"/>
+            <a:ext cx="489731" cy="489951"/>
+          </a:xfrm>
+          <a:prstGeom prst="arc">
+            <a:avLst>
+              <a:gd name="adj1" fmla="val 2640316"/>
+              <a:gd name="adj2" fmla="val 16331749"/>
+            </a:avLst>
+          </a:prstGeom>
+        </p:spPr>
+        <p:style>
+          <a:lnRef idx="1">
+            <a:schemeClr val="accent1"/>
+          </a:lnRef>
+          <a:fillRef idx="0">
+            <a:schemeClr val="accent1"/>
+          </a:fillRef>
+          <a:effectRef idx="0">
+            <a:schemeClr val="accent1"/>
+          </a:effectRef>
+          <a:fontRef idx="minor">
+            <a:schemeClr val="tx1"/>
+          </a:fontRef>
+        </p:style>
+        <p:txBody>
+          <a:bodyPr rtlCol="0" anchor="ctr"/>
+          <a:lstStyle/>
+          <a:p>
+            <a:pPr algn="ctr"/>
+            <a:endParaRPr lang="en-US"/>
+          </a:p>
+        </p:txBody>
+      </p:sp>
+      <p:sp>
+        <p:nvSpPr>
+          <p:cNvPr id="54" name="Arc 53"/>
+          <p:cNvSpPr/>
+          <p:nvPr/>
+        </p:nvSpPr>
+        <p:spPr>
+          <a:xfrm flipH="1" flipV="1">
+            <a:off x="6029708" y="4153945"/>
+            <a:ext cx="282832" cy="489951"/>
+          </a:xfrm>
+          <a:prstGeom prst="arc">
+            <a:avLst>
+              <a:gd name="adj1" fmla="val 10217461"/>
+              <a:gd name="adj2" fmla="val 0"/>
+            </a:avLst>
+          </a:prstGeom>
+        </p:spPr>
+        <p:style>
+          <a:lnRef idx="1">
+            <a:schemeClr val="accent1"/>
+          </a:lnRef>
+          <a:fillRef idx="0">
+            <a:schemeClr val="accent1"/>
+          </a:fillRef>
+          <a:effectRef idx="0">
+            <a:schemeClr val="accent1"/>
+          </a:effectRef>
+          <a:fontRef idx="minor">
+            <a:schemeClr val="tx1"/>
+          </a:fontRef>
+        </p:style>
+        <p:txBody>
+          <a:bodyPr rtlCol="0" anchor="ctr"/>
+          <a:lstStyle/>
+          <a:p>
+            <a:pPr algn="ctr"/>
+            <a:endParaRPr lang="en-US"/>
+          </a:p>
+        </p:txBody>
+      </p:sp>
+      <p:sp>
+        <p:nvSpPr>
+          <p:cNvPr id="55" name="Arc 54"/>
+          <p:cNvSpPr/>
+          <p:nvPr/>
+        </p:nvSpPr>
+        <p:spPr>
+          <a:xfrm rot="16200000" flipH="1" flipV="1">
+            <a:off x="5249142" y="3098136"/>
+            <a:ext cx="282832" cy="489951"/>
+          </a:xfrm>
+          <a:prstGeom prst="arc">
+            <a:avLst>
+              <a:gd name="adj1" fmla="val 10217461"/>
+              <a:gd name="adj2" fmla="val 0"/>
+            </a:avLst>
+          </a:prstGeom>
+        </p:spPr>
+        <p:style>
+          <a:lnRef idx="1">
+            <a:schemeClr val="accent1"/>
+          </a:lnRef>
+          <a:fillRef idx="0">
+            <a:schemeClr val="accent1"/>
+          </a:fillRef>
+          <a:effectRef idx="0">
+            <a:schemeClr val="accent1"/>
+          </a:effectRef>
+          <a:fontRef idx="minor">
+            <a:schemeClr val="tx1"/>
+          </a:fontRef>
+        </p:style>
+        <p:txBody>
+          <a:bodyPr rtlCol="0" anchor="ctr"/>
+          <a:lstStyle/>
+          <a:p>
+            <a:pPr algn="ctr"/>
+            <a:endParaRPr lang="en-US"/>
+          </a:p>
+        </p:txBody>
+      </p:sp>
+      <p:sp>
+        <p:nvSpPr>
+          <p:cNvPr id="56" name="TextBox 55"/>
+          <p:cNvSpPr txBox="1"/>
+          <p:nvPr/>
+        </p:nvSpPr>
+        <p:spPr>
+          <a:xfrm>
+            <a:off x="4734425" y="5225802"/>
+            <a:ext cx="861133" cy="276999"/>
+          </a:xfrm>
+          <a:prstGeom prst="rect">
+            <a:avLst/>
+          </a:prstGeom>
+          <a:noFill/>
+        </p:spPr>
+        <p:txBody>
+          <a:bodyPr wrap="none" rtlCol="0">
+            <a:spAutoFit/>
+          </a:bodyPr>
+          <a:lstStyle/>
+          <a:p>
+            <a:r>
+              <a:rPr lang="en-US" sz="1200" dirty="0" smtClean="0"/>
+              <a:t>120(</a:t>
+            </a:r>
+            <a:r>
+              <a:rPr lang="en-US" sz="1200" dirty="0" err="1" smtClean="0"/>
+              <a:t>deg</a:t>
+            </a:r>
+            <a:r>
+              <a:rPr lang="en-US" sz="1200" dirty="0" smtClean="0"/>
+              <a:t>)</a:t>
+            </a:r>
+            <a:endParaRPr lang="en-US" sz="1200" dirty="0"/>
+          </a:p>
+        </p:txBody>
+      </p:sp>
+      <p:cxnSp>
+        <p:nvCxnSpPr>
+          <p:cNvPr id="31" name="Straight Arrow Connector 30"/>
+          <p:cNvCxnSpPr/>
+          <p:nvPr/>
+        </p:nvCxnSpPr>
+        <p:spPr>
+          <a:xfrm>
+            <a:off x="5284807" y="3423770"/>
+            <a:ext cx="1238920" cy="1153388"/>
+          </a:xfrm>
+          <a:prstGeom prst="straightConnector1">
+            <a:avLst/>
+          </a:prstGeom>
+          <a:ln w="19050">
+            <a:tailEnd type="triangle"/>
+          </a:ln>
+        </p:spPr>
+        <p:style>
+          <a:lnRef idx="1">
+            <a:schemeClr val="accent2"/>
+          </a:lnRef>
+          <a:fillRef idx="0">
+            <a:schemeClr val="accent2"/>
+          </a:fillRef>
+          <a:effectRef idx="0">
+            <a:schemeClr val="accent2"/>
+          </a:effectRef>
+          <a:fontRef idx="minor">
+            <a:schemeClr val="tx1"/>
+          </a:fontRef>
+        </p:style>
+      </p:cxnSp>
+      <p:cxnSp>
+        <p:nvCxnSpPr>
+          <p:cNvPr id="58" name="Straight Arrow Connector 57"/>
+          <p:cNvCxnSpPr/>
+          <p:nvPr/>
+        </p:nvCxnSpPr>
+        <p:spPr>
+          <a:xfrm flipH="1">
+            <a:off x="5652793" y="4153945"/>
+            <a:ext cx="454495" cy="1770585"/>
+          </a:xfrm>
+          <a:prstGeom prst="straightConnector1">
+            <a:avLst/>
+          </a:prstGeom>
+          <a:ln w="19050">
+            <a:tailEnd type="triangle"/>
+          </a:ln>
+        </p:spPr>
+        <p:style>
+          <a:lnRef idx="1">
+            <a:schemeClr val="accent2"/>
+          </a:lnRef>
+          <a:fillRef idx="0">
+            <a:schemeClr val="accent2"/>
+          </a:fillRef>
+          <a:effectRef idx="0">
+            <a:schemeClr val="accent2"/>
+          </a:effectRef>
+          <a:fontRef idx="minor">
+            <a:schemeClr val="tx1"/>
+          </a:fontRef>
+        </p:style>
+      </p:cxnSp>
+      <p:cxnSp>
+        <p:nvCxnSpPr>
+          <p:cNvPr id="60" name="Straight Arrow Connector 59"/>
+          <p:cNvCxnSpPr/>
+          <p:nvPr/>
+        </p:nvCxnSpPr>
+        <p:spPr>
+          <a:xfrm flipV="1">
+            <a:off x="4931233" y="2643187"/>
+            <a:ext cx="592446" cy="1889428"/>
+          </a:xfrm>
+          <a:prstGeom prst="straightConnector1">
+            <a:avLst/>
+          </a:prstGeom>
+          <a:ln w="19050">
+            <a:tailEnd type="triangle"/>
+          </a:ln>
+        </p:spPr>
+        <p:style>
+          <a:lnRef idx="1">
+            <a:schemeClr val="accent2"/>
+          </a:lnRef>
+          <a:fillRef idx="0">
+            <a:schemeClr val="accent2"/>
+          </a:fillRef>
+          <a:effectRef idx="0">
+            <a:schemeClr val="accent2"/>
+          </a:effectRef>
+          <a:fontRef idx="minor">
+            <a:schemeClr val="tx1"/>
+          </a:fontRef>
+        </p:style>
+      </p:cxnSp>
+      <p:cxnSp>
+        <p:nvCxnSpPr>
+          <p:cNvPr id="62" name="Straight Arrow Connector 61"/>
+          <p:cNvCxnSpPr/>
+          <p:nvPr/>
+        </p:nvCxnSpPr>
+        <p:spPr>
+          <a:xfrm flipH="1" flipV="1">
+            <a:off x="4281436" y="4039067"/>
+            <a:ext cx="1563284" cy="1157283"/>
+          </a:xfrm>
+          <a:prstGeom prst="straightConnector1">
+            <a:avLst/>
+          </a:prstGeom>
+          <a:ln w="19050">
+            <a:tailEnd type="triangle"/>
+          </a:ln>
+        </p:spPr>
+        <p:style>
+          <a:lnRef idx="1">
+            <a:schemeClr val="accent2"/>
+          </a:lnRef>
+          <a:fillRef idx="0">
+            <a:schemeClr val="accent2"/>
+          </a:fillRef>
+          <a:effectRef idx="0">
+            <a:schemeClr val="accent2"/>
+          </a:effectRef>
+          <a:fontRef idx="minor">
+            <a:schemeClr val="tx1"/>
+          </a:fontRef>
+        </p:style>
+      </p:cxnSp>
+      <p:sp>
+        <p:nvSpPr>
+          <p:cNvPr id="70" name="Oval 69"/>
+          <p:cNvSpPr/>
+          <p:nvPr/>
+        </p:nvSpPr>
+        <p:spPr>
+          <a:xfrm flipH="1" flipV="1">
+            <a:off x="5239877" y="3381672"/>
+            <a:ext cx="95058" cy="111873"/>
+          </a:xfrm>
+          <a:prstGeom prst="ellipse">
+            <a:avLst/>
+          </a:prstGeom>
+        </p:spPr>
+        <p:style>
+          <a:lnRef idx="2">
+            <a:schemeClr val="accent2">
+              <a:shade val="50000"/>
+            </a:schemeClr>
+          </a:lnRef>
+          <a:fillRef idx="1">
+            <a:schemeClr val="accent2"/>
+          </a:fillRef>
+          <a:effectRef idx="0">
+            <a:schemeClr val="accent2"/>
+          </a:effectRef>
+          <a:fontRef idx="minor">
+            <a:schemeClr val="lt1"/>
+          </a:fontRef>
+        </p:style>
+        <p:txBody>
+          <a:bodyPr rtlCol="0" anchor="ctr"/>
+          <a:lstStyle/>
+          <a:p>
+            <a:pPr algn="ctr"/>
+            <a:endParaRPr lang="en-US"/>
+          </a:p>
+        </p:txBody>
+      </p:sp>
+      <p:sp>
+        <p:nvSpPr>
+          <p:cNvPr id="71" name="Rectangle 70"/>
+          <p:cNvSpPr/>
+          <p:nvPr/>
+        </p:nvSpPr>
+        <p:spPr>
+          <a:xfrm>
+            <a:off x="568149" y="2527280"/>
+            <a:ext cx="2984242" cy="2308324"/>
+          </a:xfrm>
+          <a:prstGeom prst="rect">
+            <a:avLst/>
+          </a:prstGeom>
+        </p:spPr>
+        <p:txBody>
+          <a:bodyPr wrap="square">
+            <a:spAutoFit/>
+          </a:bodyPr>
+          <a:lstStyle/>
+          <a:p>
+            <a:r>
+              <a:rPr lang="en-US" dirty="0">
+                <a:solidFill>
+                  <a:srgbClr val="5D6C79"/>
+                </a:solidFill>
+                <a:latin typeface="Menlo-Regular" charset="0"/>
+              </a:rPr>
+              <a:t># </a:t>
+            </a:r>
+            <a:r>
+              <a:rPr lang="en-US" dirty="0" smtClean="0">
+                <a:solidFill>
+                  <a:srgbClr val="5D6C79"/>
+                </a:solidFill>
+                <a:latin typeface="Menlo-Regular" charset="0"/>
+              </a:rPr>
+              <a:t>diamond</a:t>
+            </a:r>
+            <a:endParaRPr lang="en-US" dirty="0" smtClean="0">
+              <a:solidFill>
+                <a:srgbClr val="000000"/>
+              </a:solidFill>
+              <a:latin typeface="Menlo" charset="0"/>
+            </a:endParaRPr>
+          </a:p>
+          <a:p>
+            <a:r>
+              <a:rPr lang="en-US" dirty="0" err="1" smtClean="0">
+                <a:solidFill>
+                  <a:srgbClr val="000000"/>
+                </a:solidFill>
+                <a:latin typeface="Menlo" charset="0"/>
+              </a:rPr>
+              <a:t>elsa.forward</a:t>
+            </a:r>
+            <a:r>
+              <a:rPr lang="en-US" dirty="0" smtClean="0">
+                <a:solidFill>
+                  <a:srgbClr val="000000"/>
+                </a:solidFill>
+                <a:latin typeface="Menlo" charset="0"/>
+              </a:rPr>
+              <a:t>(</a:t>
+            </a:r>
+            <a:r>
+              <a:rPr lang="en-US" dirty="0" smtClean="0">
+                <a:solidFill>
+                  <a:srgbClr val="09885A"/>
+                </a:solidFill>
+                <a:latin typeface="Menlo" charset="0"/>
+              </a:rPr>
+              <a:t>100</a:t>
+            </a:r>
+            <a:r>
+              <a:rPr lang="en-US" dirty="0">
+                <a:solidFill>
+                  <a:srgbClr val="000000"/>
+                </a:solidFill>
+                <a:latin typeface="Menlo" charset="0"/>
+              </a:rPr>
+              <a:t>)</a:t>
+            </a:r>
+          </a:p>
+          <a:p>
+            <a:r>
+              <a:rPr lang="en-US" dirty="0" err="1">
+                <a:solidFill>
+                  <a:srgbClr val="000000"/>
+                </a:solidFill>
+                <a:latin typeface="Menlo" charset="0"/>
+              </a:rPr>
+              <a:t>elsa.right</a:t>
+            </a:r>
+            <a:r>
+              <a:rPr lang="en-US" dirty="0">
+                <a:solidFill>
+                  <a:srgbClr val="000000"/>
+                </a:solidFill>
+                <a:latin typeface="Menlo" charset="0"/>
+              </a:rPr>
+              <a:t>(</a:t>
+            </a:r>
+            <a:r>
+              <a:rPr lang="en-US" dirty="0">
+                <a:solidFill>
+                  <a:srgbClr val="09885A"/>
+                </a:solidFill>
+                <a:latin typeface="Menlo" charset="0"/>
+              </a:rPr>
+              <a:t>60</a:t>
+            </a:r>
+            <a:r>
+              <a:rPr lang="en-US" dirty="0">
+                <a:solidFill>
+                  <a:srgbClr val="000000"/>
+                </a:solidFill>
+                <a:latin typeface="Menlo" charset="0"/>
+              </a:rPr>
+              <a:t>)</a:t>
+            </a:r>
+          </a:p>
+          <a:p>
+            <a:r>
+              <a:rPr lang="en-US" dirty="0" err="1">
+                <a:solidFill>
+                  <a:srgbClr val="000000"/>
+                </a:solidFill>
+                <a:latin typeface="Menlo" charset="0"/>
+              </a:rPr>
+              <a:t>elsa.forward</a:t>
+            </a:r>
+            <a:r>
+              <a:rPr lang="en-US" dirty="0">
+                <a:solidFill>
+                  <a:srgbClr val="000000"/>
+                </a:solidFill>
+                <a:latin typeface="Menlo" charset="0"/>
+              </a:rPr>
+              <a:t>(</a:t>
+            </a:r>
+            <a:r>
+              <a:rPr lang="en-US" dirty="0">
+                <a:solidFill>
+                  <a:srgbClr val="09885A"/>
+                </a:solidFill>
+                <a:latin typeface="Menlo" charset="0"/>
+              </a:rPr>
+              <a:t>100</a:t>
+            </a:r>
+            <a:r>
+              <a:rPr lang="en-US" dirty="0">
+                <a:solidFill>
+                  <a:srgbClr val="000000"/>
+                </a:solidFill>
+                <a:latin typeface="Menlo" charset="0"/>
+              </a:rPr>
+              <a:t>)</a:t>
+            </a:r>
+          </a:p>
+          <a:p>
+            <a:r>
+              <a:rPr lang="en-US" dirty="0" err="1">
+                <a:solidFill>
+                  <a:srgbClr val="000000"/>
+                </a:solidFill>
+                <a:latin typeface="Menlo" charset="0"/>
+              </a:rPr>
+              <a:t>elsa.right</a:t>
+            </a:r>
+            <a:r>
+              <a:rPr lang="en-US" dirty="0">
+                <a:solidFill>
+                  <a:srgbClr val="000000"/>
+                </a:solidFill>
+                <a:latin typeface="Menlo" charset="0"/>
+              </a:rPr>
+              <a:t>(</a:t>
+            </a:r>
+            <a:r>
+              <a:rPr lang="en-US" dirty="0">
+                <a:solidFill>
+                  <a:srgbClr val="09885A"/>
+                </a:solidFill>
+                <a:latin typeface="Menlo" charset="0"/>
+              </a:rPr>
+              <a:t>120</a:t>
+            </a:r>
+            <a:r>
+              <a:rPr lang="en-US" dirty="0">
+                <a:solidFill>
+                  <a:srgbClr val="000000"/>
+                </a:solidFill>
+                <a:latin typeface="Menlo" charset="0"/>
+              </a:rPr>
+              <a:t>)</a:t>
+            </a:r>
+          </a:p>
+          <a:p>
+            <a:r>
+              <a:rPr lang="en-US" dirty="0" err="1">
+                <a:solidFill>
+                  <a:srgbClr val="000000"/>
+                </a:solidFill>
+                <a:latin typeface="Menlo" charset="0"/>
+              </a:rPr>
+              <a:t>elsa.forward</a:t>
+            </a:r>
+            <a:r>
+              <a:rPr lang="en-US" dirty="0">
+                <a:solidFill>
+                  <a:srgbClr val="000000"/>
+                </a:solidFill>
+                <a:latin typeface="Menlo" charset="0"/>
+              </a:rPr>
+              <a:t>(</a:t>
+            </a:r>
+            <a:r>
+              <a:rPr lang="en-US" dirty="0">
+                <a:solidFill>
+                  <a:srgbClr val="09885A"/>
+                </a:solidFill>
+                <a:latin typeface="Menlo" charset="0"/>
+              </a:rPr>
+              <a:t>100</a:t>
+            </a:r>
+            <a:r>
+              <a:rPr lang="en-US" dirty="0">
+                <a:solidFill>
+                  <a:srgbClr val="000000"/>
+                </a:solidFill>
+                <a:latin typeface="Menlo" charset="0"/>
+              </a:rPr>
+              <a:t>)</a:t>
+            </a:r>
+          </a:p>
+          <a:p>
+            <a:r>
+              <a:rPr lang="en-US" dirty="0" err="1">
+                <a:solidFill>
+                  <a:srgbClr val="000000"/>
+                </a:solidFill>
+                <a:latin typeface="Menlo" charset="0"/>
+              </a:rPr>
+              <a:t>elsa.right</a:t>
+            </a:r>
+            <a:r>
+              <a:rPr lang="en-US" dirty="0">
+                <a:solidFill>
+                  <a:srgbClr val="000000"/>
+                </a:solidFill>
+                <a:latin typeface="Menlo" charset="0"/>
+              </a:rPr>
+              <a:t>(</a:t>
+            </a:r>
+            <a:r>
+              <a:rPr lang="en-US" dirty="0">
+                <a:solidFill>
+                  <a:srgbClr val="09885A"/>
+                </a:solidFill>
+                <a:latin typeface="Menlo" charset="0"/>
+              </a:rPr>
+              <a:t>60</a:t>
+            </a:r>
+            <a:r>
+              <a:rPr lang="en-US" dirty="0">
+                <a:solidFill>
+                  <a:srgbClr val="000000"/>
+                </a:solidFill>
+                <a:latin typeface="Menlo" charset="0"/>
+              </a:rPr>
+              <a:t>)</a:t>
+            </a:r>
+          </a:p>
+          <a:p>
+            <a:r>
+              <a:rPr lang="en-US" dirty="0" err="1">
+                <a:solidFill>
+                  <a:srgbClr val="000000"/>
+                </a:solidFill>
+                <a:latin typeface="Menlo" charset="0"/>
+              </a:rPr>
+              <a:t>elsa.forward</a:t>
+            </a:r>
+            <a:r>
+              <a:rPr lang="en-US" dirty="0">
+                <a:solidFill>
+                  <a:srgbClr val="000000"/>
+                </a:solidFill>
+                <a:latin typeface="Menlo" charset="0"/>
+              </a:rPr>
+              <a:t>(</a:t>
+            </a:r>
+            <a:r>
+              <a:rPr lang="en-US" dirty="0">
+                <a:solidFill>
+                  <a:srgbClr val="09885A"/>
+                </a:solidFill>
+                <a:latin typeface="Menlo" charset="0"/>
+              </a:rPr>
+              <a:t>100</a:t>
+            </a:r>
+            <a:r>
+              <a:rPr lang="en-US" dirty="0">
+                <a:solidFill>
+                  <a:srgbClr val="000000"/>
+                </a:solidFill>
+                <a:latin typeface="Menlo" charset="0"/>
+              </a:rPr>
+              <a:t>)</a:t>
+            </a:r>
+            <a:endParaRPr lang="en-US" b="0" i="0" u="none" strike="noStrike" dirty="0">
+              <a:solidFill>
+                <a:srgbClr val="000000"/>
+              </a:solidFill>
+              <a:effectLst/>
+              <a:latin typeface="Menlo" charset="0"/>
+            </a:endParaRPr>
+          </a:p>
+        </p:txBody>
+      </p:sp>
+    </p:spTree>
+    <p:extLst>
+      <p:ext uri="{BB962C8B-B14F-4D97-AF65-F5344CB8AC3E}">
+        <p14:creationId xmlns:p14="http://schemas.microsoft.com/office/powerpoint/2010/main" val="226463393"/>
+      </p:ext>
+    </p:extLst>
+  </p:cSld>
+  <p:clrMapOvr>
+    <a:masterClrMapping/>
+  </p:clrMapOvr>
+</p:sld>
+</file>
+
+<file path=ppt/slides/slide11.xml><?xml version="1.0" encoding="utf-8"?>
+<p:sld xmlns:a="http://schemas.openxmlformats.org/drawingml/2006/main" xmlns:r="http://schemas.openxmlformats.org/officeDocument/2006/relationships" xmlns:p="http://schemas.openxmlformats.org/presentationml/2006/main">
+  <p:cSld>
+    <p:spTree>
+      <p:nvGrpSpPr>
+        <p:cNvPr id="1" name=""/>
+        <p:cNvGrpSpPr/>
+        <p:nvPr/>
+      </p:nvGrpSpPr>
+      <p:grpSpPr>
+        <a:xfrm>
+          <a:off x="0" y="0"/>
+          <a:ext cx="0" cy="0"/>
+          <a:chOff x="0" y="0"/>
+          <a:chExt cx="0" cy="0"/>
+        </a:xfrm>
+      </p:grpSpPr>
+      <p:pic>
+        <p:nvPicPr>
           <p:cNvPr id="25" name="Content Placeholder 4" descr="A screenshot of a cell phone screen with text&#10;&#10;Description automatically generated">
             <a:extLst>
               <a:ext uri="{FF2B5EF4-FFF2-40B4-BE49-F238E27FC236}">
-                <a16:creationId xmlns:a16="http://schemas.microsoft.com/office/drawing/2014/main" xmlns="" id="{84B4EEE6-6018-CD43-8802-133A2DC052B0}"/>
+                <a16:creationId xmlns="" xmlns:a16="http://schemas.microsoft.com/office/drawing/2014/main" id="{84B4EEE6-6018-CD43-8802-133A2DC052B0}"/>
               </a:ext>
             </a:extLst>
           </p:cNvPr>
@@ -6186,7 +7450,7 @@
           <p:cNvPr id="24" name="Content Placeholder 10" descr="A screenshot of a cell phone&#10;&#10;Description automatically generated">
             <a:extLst>
               <a:ext uri="{FF2B5EF4-FFF2-40B4-BE49-F238E27FC236}">
-                <a16:creationId xmlns:a16="http://schemas.microsoft.com/office/drawing/2014/main" xmlns="" id="{6F15604A-9FC5-5B4D-9780-A0ECBD348DFE}"/>
+                <a16:creationId xmlns="" xmlns:a16="http://schemas.microsoft.com/office/drawing/2014/main" id="{6F15604A-9FC5-5B4D-9780-A0ECBD348DFE}"/>
               </a:ext>
             </a:extLst>
           </p:cNvPr>
@@ -6222,7 +7486,7 @@
           <p:cNvPr id="2" name="Title 1">
             <a:extLst>
               <a:ext uri="{FF2B5EF4-FFF2-40B4-BE49-F238E27FC236}">
-                <a16:creationId xmlns:a16="http://schemas.microsoft.com/office/drawing/2014/main" xmlns="" id="{918868B3-A663-1844-AFE8-A6FDAE3B385E}"/>
+                <a16:creationId xmlns="" xmlns:a16="http://schemas.microsoft.com/office/drawing/2014/main" id="{918868B3-A663-1844-AFE8-A6FDAE3B385E}"/>
               </a:ext>
             </a:extLst>
           </p:cNvPr>
@@ -6262,7 +7526,7 @@
           <p:cNvPr id="23" name="Content Placeholder 22">
             <a:extLst>
               <a:ext uri="{FF2B5EF4-FFF2-40B4-BE49-F238E27FC236}">
-                <a16:creationId xmlns:a16="http://schemas.microsoft.com/office/drawing/2014/main" xmlns="" id="{47EEC4B3-E683-4E4C-BAC2-A66AD7C059D7}"/>
+                <a16:creationId xmlns="" xmlns:a16="http://schemas.microsoft.com/office/drawing/2014/main" id="{47EEC4B3-E683-4E4C-BAC2-A66AD7C059D7}"/>
               </a:ext>
             </a:extLst>
           </p:cNvPr>
@@ -6331,7 +7595,7 @@
           <p:cNvPr id="26" name="Straight Arrow Connector 25">
             <a:extLst>
               <a:ext uri="{FF2B5EF4-FFF2-40B4-BE49-F238E27FC236}">
-                <a16:creationId xmlns:a16="http://schemas.microsoft.com/office/drawing/2014/main" xmlns="" id="{A68FF25F-92EB-AE4D-B49A-9D535DFDCC05}"/>
+                <a16:creationId xmlns="" xmlns:a16="http://schemas.microsoft.com/office/drawing/2014/main" id="{A68FF25F-92EB-AE4D-B49A-9D535DFDCC05}"/>
               </a:ext>
             </a:extLst>
           </p:cNvPr>
@@ -6373,7 +7637,7 @@
           <p:cNvPr id="27" name="Frame 26">
             <a:extLst>
               <a:ext uri="{FF2B5EF4-FFF2-40B4-BE49-F238E27FC236}">
-                <a16:creationId xmlns:a16="http://schemas.microsoft.com/office/drawing/2014/main" xmlns="" id="{3DD01559-3DB0-CB4B-A2F0-6B74C049CAB4}"/>
+                <a16:creationId xmlns="" xmlns:a16="http://schemas.microsoft.com/office/drawing/2014/main" id="{3DD01559-3DB0-CB4B-A2F0-6B74C049CAB4}"/>
               </a:ext>
             </a:extLst>
           </p:cNvPr>
@@ -6431,7 +7695,7 @@
           <p:cNvPr id="29" name="Frame 28">
             <a:extLst>
               <a:ext uri="{FF2B5EF4-FFF2-40B4-BE49-F238E27FC236}">
-                <a16:creationId xmlns:a16="http://schemas.microsoft.com/office/drawing/2014/main" xmlns="" id="{3B16BB6E-A2C4-1740-94D2-9BE2DBECE1BD}"/>
+                <a16:creationId xmlns="" xmlns:a16="http://schemas.microsoft.com/office/drawing/2014/main" id="{3B16BB6E-A2C4-1740-94D2-9BE2DBECE1BD}"/>
               </a:ext>
             </a:extLst>
           </p:cNvPr>
@@ -6489,7 +7753,7 @@
           <p:cNvPr id="4" name="Rectangle 3">
             <a:extLst>
               <a:ext uri="{FF2B5EF4-FFF2-40B4-BE49-F238E27FC236}">
-                <a16:creationId xmlns:a16="http://schemas.microsoft.com/office/drawing/2014/main" xmlns="" id="{29EB7B19-7B95-FE4C-AADF-BBF7E26E6825}"/>
+                <a16:creationId xmlns="" xmlns:a16="http://schemas.microsoft.com/office/drawing/2014/main" id="{29EB7B19-7B95-FE4C-AADF-BBF7E26E6825}"/>
               </a:ext>
             </a:extLst>
           </p:cNvPr>
@@ -6571,7 +7835,7 @@
 </p:sld>
 </file>
 
-<file path=ppt/slides/slide11.xml><?xml version="1.0" encoding="utf-8"?>
+<file path=ppt/slides/slide12.xml><?xml version="1.0" encoding="utf-8"?>
 <p:sld xmlns:a="http://schemas.openxmlformats.org/drawingml/2006/main" xmlns:r="http://schemas.openxmlformats.org/officeDocument/2006/relationships" xmlns:p="http://schemas.openxmlformats.org/presentationml/2006/main">
   <p:cSld>
     <p:spTree>
@@ -6736,7 +8000,7 @@
           <p:cNvPr id="2" name="Title 1">
             <a:extLst>
               <a:ext uri="{FF2B5EF4-FFF2-40B4-BE49-F238E27FC236}">
-                <a16:creationId xmlns:a16="http://schemas.microsoft.com/office/drawing/2014/main" xmlns="" id="{253967F2-5A0B-C248-8CB9-CD7AEEE78A10}"/>
+                <a16:creationId xmlns="" xmlns:a16="http://schemas.microsoft.com/office/drawing/2014/main" id="{253967F2-5A0B-C248-8CB9-CD7AEEE78A10}"/>
               </a:ext>
             </a:extLst>
           </p:cNvPr>
@@ -7458,10 +8722,10 @@
           <p:cNvPr id="8" name="Rectangle 7">
             <a:extLst>
               <a:ext uri="{FF2B5EF4-FFF2-40B4-BE49-F238E27FC236}">
-                <a16:creationId xmlns:a16="http://schemas.microsoft.com/office/drawing/2014/main" xmlns="" id="{597EA66B-2AAB-42B0-9F9D-38920D8D82D7}"/>
+                <a16:creationId xmlns="" xmlns:a16="http://schemas.microsoft.com/office/drawing/2014/main" id="{597EA66B-2AAB-42B0-9F9D-38920D8D82D7}"/>
               </a:ext>
               <a:ext uri="{C183D7F6-B498-43B3-948B-1728B52AA6E4}">
-                <adec:decorative xmlns:adec="http://schemas.microsoft.com/office/drawing/2017/decorative" xmlns="" val="1"/>
+                <adec:decorative xmlns="" xmlns:adec="http://schemas.microsoft.com/office/drawing/2017/decorative" val="1"/>
               </a:ext>
             </a:extLst>
           </p:cNvPr>
@@ -7514,10 +8778,10 @@
           <p:cNvPr id="10" name="Freeform: Shape 9">
             <a:extLst>
               <a:ext uri="{FF2B5EF4-FFF2-40B4-BE49-F238E27FC236}">
-                <a16:creationId xmlns:a16="http://schemas.microsoft.com/office/drawing/2014/main" xmlns="" id="{D360EBE3-31BB-422F-AA87-FA3873DAE484}"/>
+                <a16:creationId xmlns="" xmlns:a16="http://schemas.microsoft.com/office/drawing/2014/main" id="{D360EBE3-31BB-422F-AA87-FA3873DAE484}"/>
               </a:ext>
               <a:ext uri="{C183D7F6-B498-43B3-948B-1728B52AA6E4}">
-                <adec:decorative xmlns:adec="http://schemas.microsoft.com/office/drawing/2017/decorative" xmlns="" val="1"/>
+                <adec:decorative xmlns="" xmlns:adec="http://schemas.microsoft.com/office/drawing/2017/decorative" val="1"/>
               </a:ext>
             </a:extLst>
           </p:cNvPr>
@@ -7705,7 +8969,7 @@
           <a:effectLst/>
           <a:extLst>
             <a:ext uri="{91240B29-F687-4f45-9708-019B960494DF}">
-              <a14:hiddenLine xmlns="" xmlns:a16="http://schemas.microsoft.com/office/drawing/2014/main" xmlns:p14="http://schemas.microsoft.com/office/powerpoint/2010/main" xmlns:a14="http://schemas.microsoft.com/office/drawing/2010/main" w="9525">
+              <a14:hiddenLine xmlns:a14="http://schemas.microsoft.com/office/drawing/2010/main" xmlns:p14="http://schemas.microsoft.com/office/powerpoint/2010/main" xmlns:a16="http://schemas.microsoft.com/office/drawing/2014/main" xmlns="" w="9525">
                 <a:solidFill>
                   <a:srgbClr val="000000"/>
                 </a:solidFill>
@@ -7736,7 +9000,7 @@
           <p:cNvPr id="6" name="Title 1">
             <a:extLst>
               <a:ext uri="{FF2B5EF4-FFF2-40B4-BE49-F238E27FC236}">
-                <a16:creationId xmlns:a16="http://schemas.microsoft.com/office/drawing/2014/main" xmlns="" id="{FD7674F6-73A9-0648-A682-1E6E87D11949}"/>
+                <a16:creationId xmlns="" xmlns:a16="http://schemas.microsoft.com/office/drawing/2014/main" id="{FD7674F6-73A9-0648-A682-1E6E87D11949}"/>
               </a:ext>
             </a:extLst>
           </p:cNvPr>
@@ -7994,7 +9258,7 @@
           <p:cNvPr id="2" name="Title 1">
             <a:extLst>
               <a:ext uri="{FF2B5EF4-FFF2-40B4-BE49-F238E27FC236}">
-                <a16:creationId xmlns:a16="http://schemas.microsoft.com/office/drawing/2014/main" xmlns="" id="{253967F2-5A0B-C248-8CB9-CD7AEEE78A10}"/>
+                <a16:creationId xmlns="" xmlns:a16="http://schemas.microsoft.com/office/drawing/2014/main" id="{253967F2-5A0B-C248-8CB9-CD7AEEE78A10}"/>
               </a:ext>
             </a:extLst>
           </p:cNvPr>
@@ -10645,7 +11909,11 @@
           <a:p>
             <a:r>
               <a:rPr lang="en-US" dirty="0" smtClean="0"/>
-              <a:t>Draw a house</a:t>
+              <a:t>Project: Draw </a:t>
+            </a:r>
+            <a:r>
+              <a:rPr lang="en-US" dirty="0" smtClean="0"/>
+              <a:t>a house</a:t>
             </a:r>
             <a:endParaRPr lang="en-US" dirty="0"/>
           </a:p>
@@ -11071,11 +12339,7 @@
           <a:p>
             <a:r>
               <a:rPr lang="en-US" dirty="0" smtClean="0"/>
-              <a:t>10</a:t>
-            </a:r>
-            <a:r>
-              <a:rPr lang="en-US" dirty="0" smtClean="0"/>
-              <a:t>0</a:t>
+              <a:t>100</a:t>
             </a:r>
             <a:endParaRPr lang="en-US" dirty="0"/>
           </a:p>
@@ -11105,11 +12369,7 @@
           <a:p>
             <a:r>
               <a:rPr lang="en-US" smtClean="0"/>
-              <a:t>10</a:t>
-            </a:r>
-            <a:r>
-              <a:rPr lang="en-US" smtClean="0"/>
-              <a:t>0</a:t>
+              <a:t>100</a:t>
             </a:r>
             <a:endParaRPr lang="en-US" dirty="0"/>
           </a:p>
@@ -11139,11 +12399,7 @@
           <a:p>
             <a:r>
               <a:rPr lang="en-US" dirty="0" smtClean="0"/>
-              <a:t>15</a:t>
-            </a:r>
-            <a:r>
-              <a:rPr lang="en-US" dirty="0" smtClean="0"/>
-              <a:t>0</a:t>
+              <a:t>150</a:t>
             </a:r>
             <a:endParaRPr lang="en-US" dirty="0"/>
           </a:p>
@@ -11218,15 +12474,7 @@
                   <a:srgbClr val="FF0000"/>
                 </a:solidFill>
               </a:rPr>
-              <a:t>12</a:t>
-            </a:r>
-            <a:r>
-              <a:rPr lang="en-US" dirty="0" smtClean="0">
-                <a:solidFill>
-                  <a:srgbClr val="FF0000"/>
-                </a:solidFill>
-              </a:rPr>
-              <a:t>0</a:t>
+              <a:t>120</a:t>
             </a:r>
             <a:endParaRPr lang="en-US" u="sng" dirty="0">
               <a:solidFill>
@@ -11305,15 +12553,7 @@
                   <a:srgbClr val="FF0000"/>
                 </a:solidFill>
               </a:rPr>
-              <a:t>12</a:t>
-            </a:r>
-            <a:r>
-              <a:rPr lang="en-US" dirty="0" smtClean="0">
-                <a:solidFill>
-                  <a:srgbClr val="FF0000"/>
-                </a:solidFill>
-              </a:rPr>
-              <a:t>0</a:t>
+              <a:t>120</a:t>
             </a:r>
             <a:endParaRPr lang="en-US" u="sng" dirty="0">
               <a:solidFill>
@@ -11351,15 +12591,7 @@
                   <a:srgbClr val="FF0000"/>
                 </a:solidFill>
               </a:rPr>
-              <a:t>12</a:t>
-            </a:r>
-            <a:r>
-              <a:rPr lang="en-US" dirty="0" smtClean="0">
-                <a:solidFill>
-                  <a:srgbClr val="FF0000"/>
-                </a:solidFill>
-              </a:rPr>
-              <a:t>0</a:t>
+              <a:t>120</a:t>
             </a:r>
             <a:endParaRPr lang="en-US" u="sng" dirty="0">
               <a:solidFill>

--- a/lec02/lec02_Turtle.pptx
+++ b/lec02/lec02_Turtle.pptx
@@ -578,7 +578,7 @@
           <a:effectLst/>
           <a:extLst>
             <a:ext uri="{91240B29-F687-4f45-9708-019B960494DF}">
-              <a14:hiddenLine xmlns="" xmlns:a14="http://schemas.microsoft.com/office/drawing/2010/main" w="9525">
+              <a14:hiddenLine xmlns:a14="http://schemas.microsoft.com/office/drawing/2010/main" xmlns="" w="9525">
                 <a:solidFill>
                   <a:srgbClr val="000000"/>
                 </a:solidFill>
@@ -2100,7 +2100,7 @@
           <a:ln/>
           <a:extLst>
             <a:ext uri="{91240B29-F687-4f45-9708-019B960494DF}">
-              <a14:hiddenLine xmlns="" xmlns:a14="http://schemas.microsoft.com/office/drawing/2010/main" w="9525">
+              <a14:hiddenLine xmlns:a14="http://schemas.microsoft.com/office/drawing/2010/main" xmlns="" w="9525">
                 <a:solidFill>
                   <a:srgbClr val="000000"/>
                 </a:solidFill>
@@ -2375,7 +2375,7 @@
           <a:ln/>
           <a:extLst>
             <a:ext uri="{91240B29-F687-4f45-9708-019B960494DF}">
-              <a14:hiddenLine xmlns="" xmlns:a14="http://schemas.microsoft.com/office/drawing/2010/main" w="9525">
+              <a14:hiddenLine xmlns:a14="http://schemas.microsoft.com/office/drawing/2010/main" xmlns="" w="9525">
                 <a:solidFill>
                   <a:srgbClr val="000000"/>
                 </a:solidFill>
@@ -2658,7 +2658,7 @@
           <a:ln/>
           <a:extLst>
             <a:ext uri="{91240B29-F687-4f45-9708-019B960494DF}">
-              <a14:hiddenLine xmlns="" xmlns:a14="http://schemas.microsoft.com/office/drawing/2010/main" w="9525">
+              <a14:hiddenLine xmlns:a14="http://schemas.microsoft.com/office/drawing/2010/main" xmlns="" w="9525">
                 <a:solidFill>
                   <a:srgbClr val="000000"/>
                 </a:solidFill>
@@ -3284,7 +3284,7 @@
           <a:ln/>
           <a:extLst>
             <a:ext uri="{91240B29-F687-4f45-9708-019B960494DF}">
-              <a14:hiddenLine xmlns="" xmlns:a14="http://schemas.microsoft.com/office/drawing/2010/main" w="9525">
+              <a14:hiddenLine xmlns:a14="http://schemas.microsoft.com/office/drawing/2010/main" xmlns="" w="9525">
                 <a:solidFill>
                   <a:srgbClr val="000000"/>
                 </a:solidFill>
@@ -3623,7 +3623,7 @@
           <a:ln/>
           <a:extLst>
             <a:ext uri="{91240B29-F687-4f45-9708-019B960494DF}">
-              <a14:hiddenLine xmlns="" xmlns:a14="http://schemas.microsoft.com/office/drawing/2010/main" w="9525">
+              <a14:hiddenLine xmlns:a14="http://schemas.microsoft.com/office/drawing/2010/main" xmlns="" w="9525">
                 <a:solidFill>
                   <a:srgbClr val="000000"/>
                 </a:solidFill>
@@ -4100,7 +4100,7 @@
           <a:ln/>
           <a:extLst>
             <a:ext uri="{91240B29-F687-4f45-9708-019B960494DF}">
-              <a14:hiddenLine xmlns="" xmlns:a14="http://schemas.microsoft.com/office/drawing/2010/main" w="9525">
+              <a14:hiddenLine xmlns:a14="http://schemas.microsoft.com/office/drawing/2010/main" xmlns="" w="9525">
                 <a:solidFill>
                   <a:srgbClr val="000000"/>
                 </a:solidFill>
@@ -4529,7 +4529,7 @@
           <a:ln/>
           <a:extLst>
             <a:ext uri="{91240B29-F687-4f45-9708-019B960494DF}">
-              <a14:hiddenLine xmlns="" xmlns:a14="http://schemas.microsoft.com/office/drawing/2010/main" w="9525">
+              <a14:hiddenLine xmlns:a14="http://schemas.microsoft.com/office/drawing/2010/main" xmlns="" w="9525">
                 <a:solidFill>
                   <a:srgbClr val="000000"/>
                 </a:solidFill>
@@ -5821,8 +5821,8 @@
         </p:nvSpPr>
         <p:spPr>
           <a:xfrm>
-            <a:off x="333559" y="2370569"/>
-            <a:ext cx="10554574" cy="2917047"/>
+            <a:off x="333559" y="2371077"/>
+            <a:ext cx="5979559" cy="2917047"/>
           </a:xfrm>
           <a:prstGeom prst="rect">
             <a:avLst/>
@@ -6058,34 +6058,6 @@
             <a:r>
               <a:rPr lang="en-US" sz="2400" dirty="0" smtClean="0"/>
               <a:t>1:50 </a:t>
-            </a:r>
-            <a:r>
-              <a:rPr lang="mr-IN" sz="2400" dirty="0" smtClean="0"/>
-              <a:t>–</a:t>
-            </a:r>
-            <a:r>
-              <a:rPr lang="en-US" sz="2400" dirty="0" smtClean="0"/>
-              <a:t> 2:30 </a:t>
-            </a:r>
-            <a:r>
-              <a:rPr lang="en-US" sz="2400" dirty="0"/>
-              <a:t>class time</a:t>
-            </a:r>
-          </a:p>
-          <a:p>
-            <a:r>
-              <a:rPr lang="en-US" sz="2400" b="1" dirty="0">
-                <a:solidFill>
-                  <a:srgbClr val="FF0000"/>
-                </a:solidFill>
-              </a:rPr>
-              <a:t>10 minutes break</a:t>
-            </a:r>
-          </a:p>
-          <a:p>
-            <a:r>
-              <a:rPr lang="en-US" sz="2400" dirty="0" smtClean="0"/>
-              <a:t>2:40 </a:t>
             </a:r>
             <a:r>
               <a:rPr lang="mr-IN" sz="2400" dirty="0" smtClean="0"/>
@@ -6700,11 +6672,7 @@
           <a:p>
             <a:r>
               <a:rPr lang="en-US" sz="1200" dirty="0" smtClean="0"/>
-              <a:t>6</a:t>
-            </a:r>
-            <a:r>
-              <a:rPr lang="en-US" sz="1200" dirty="0" smtClean="0"/>
-              <a:t>0(</a:t>
+              <a:t>60(</a:t>
             </a:r>
             <a:r>
               <a:rPr lang="en-US" sz="1200" dirty="0" err="1" smtClean="0"/>
@@ -7382,6 +7350,13 @@
   <p:clrMapOvr>
     <a:masterClrMapping/>
   </p:clrMapOvr>
+  <p:timing>
+    <p:tnLst>
+      <p:par>
+        <p:cTn id="1" dur="indefinite" restart="never" nodeType="tmRoot"/>
+      </p:par>
+    </p:tnLst>
+  </p:timing>
 </p:sld>
 </file>
 
@@ -7407,7 +7382,7 @@
           <p:cNvPr id="25" name="Content Placeholder 4" descr="A screenshot of a cell phone screen with text&#10;&#10;Description automatically generated">
             <a:extLst>
               <a:ext uri="{FF2B5EF4-FFF2-40B4-BE49-F238E27FC236}">
-                <a16:creationId xmlns="" xmlns:a16="http://schemas.microsoft.com/office/drawing/2014/main" id="{84B4EEE6-6018-CD43-8802-133A2DC052B0}"/>
+                <a16:creationId xmlns:a16="http://schemas.microsoft.com/office/drawing/2014/main" xmlns="" id="{84B4EEE6-6018-CD43-8802-133A2DC052B0}"/>
               </a:ext>
             </a:extLst>
           </p:cNvPr>
@@ -7450,7 +7425,7 @@
           <p:cNvPr id="24" name="Content Placeholder 10" descr="A screenshot of a cell phone&#10;&#10;Description automatically generated">
             <a:extLst>
               <a:ext uri="{FF2B5EF4-FFF2-40B4-BE49-F238E27FC236}">
-                <a16:creationId xmlns="" xmlns:a16="http://schemas.microsoft.com/office/drawing/2014/main" id="{6F15604A-9FC5-5B4D-9780-A0ECBD348DFE}"/>
+                <a16:creationId xmlns:a16="http://schemas.microsoft.com/office/drawing/2014/main" xmlns="" id="{6F15604A-9FC5-5B4D-9780-A0ECBD348DFE}"/>
               </a:ext>
             </a:extLst>
           </p:cNvPr>
@@ -7486,7 +7461,7 @@
           <p:cNvPr id="2" name="Title 1">
             <a:extLst>
               <a:ext uri="{FF2B5EF4-FFF2-40B4-BE49-F238E27FC236}">
-                <a16:creationId xmlns="" xmlns:a16="http://schemas.microsoft.com/office/drawing/2014/main" id="{918868B3-A663-1844-AFE8-A6FDAE3B385E}"/>
+                <a16:creationId xmlns:a16="http://schemas.microsoft.com/office/drawing/2014/main" xmlns="" id="{918868B3-A663-1844-AFE8-A6FDAE3B385E}"/>
               </a:ext>
             </a:extLst>
           </p:cNvPr>
@@ -7526,7 +7501,7 @@
           <p:cNvPr id="23" name="Content Placeholder 22">
             <a:extLst>
               <a:ext uri="{FF2B5EF4-FFF2-40B4-BE49-F238E27FC236}">
-                <a16:creationId xmlns="" xmlns:a16="http://schemas.microsoft.com/office/drawing/2014/main" id="{47EEC4B3-E683-4E4C-BAC2-A66AD7C059D7}"/>
+                <a16:creationId xmlns:a16="http://schemas.microsoft.com/office/drawing/2014/main" xmlns="" id="{47EEC4B3-E683-4E4C-BAC2-A66AD7C059D7}"/>
               </a:ext>
             </a:extLst>
           </p:cNvPr>
@@ -7595,7 +7570,7 @@
           <p:cNvPr id="26" name="Straight Arrow Connector 25">
             <a:extLst>
               <a:ext uri="{FF2B5EF4-FFF2-40B4-BE49-F238E27FC236}">
-                <a16:creationId xmlns="" xmlns:a16="http://schemas.microsoft.com/office/drawing/2014/main" id="{A68FF25F-92EB-AE4D-B49A-9D535DFDCC05}"/>
+                <a16:creationId xmlns:a16="http://schemas.microsoft.com/office/drawing/2014/main" xmlns="" id="{A68FF25F-92EB-AE4D-B49A-9D535DFDCC05}"/>
               </a:ext>
             </a:extLst>
           </p:cNvPr>
@@ -7637,7 +7612,7 @@
           <p:cNvPr id="27" name="Frame 26">
             <a:extLst>
               <a:ext uri="{FF2B5EF4-FFF2-40B4-BE49-F238E27FC236}">
-                <a16:creationId xmlns="" xmlns:a16="http://schemas.microsoft.com/office/drawing/2014/main" id="{3DD01559-3DB0-CB4B-A2F0-6B74C049CAB4}"/>
+                <a16:creationId xmlns:a16="http://schemas.microsoft.com/office/drawing/2014/main" xmlns="" id="{3DD01559-3DB0-CB4B-A2F0-6B74C049CAB4}"/>
               </a:ext>
             </a:extLst>
           </p:cNvPr>
@@ -7695,7 +7670,7 @@
           <p:cNvPr id="29" name="Frame 28">
             <a:extLst>
               <a:ext uri="{FF2B5EF4-FFF2-40B4-BE49-F238E27FC236}">
-                <a16:creationId xmlns="" xmlns:a16="http://schemas.microsoft.com/office/drawing/2014/main" id="{3B16BB6E-A2C4-1740-94D2-9BE2DBECE1BD}"/>
+                <a16:creationId xmlns:a16="http://schemas.microsoft.com/office/drawing/2014/main" xmlns="" id="{3B16BB6E-A2C4-1740-94D2-9BE2DBECE1BD}"/>
               </a:ext>
             </a:extLst>
           </p:cNvPr>
@@ -7753,7 +7728,7 @@
           <p:cNvPr id="4" name="Rectangle 3">
             <a:extLst>
               <a:ext uri="{FF2B5EF4-FFF2-40B4-BE49-F238E27FC236}">
-                <a16:creationId xmlns="" xmlns:a16="http://schemas.microsoft.com/office/drawing/2014/main" id="{29EB7B19-7B95-FE4C-AADF-BBF7E26E6825}"/>
+                <a16:creationId xmlns:a16="http://schemas.microsoft.com/office/drawing/2014/main" xmlns="" id="{29EB7B19-7B95-FE4C-AADF-BBF7E26E6825}"/>
               </a:ext>
             </a:extLst>
           </p:cNvPr>
@@ -8000,7 +7975,7 @@
           <p:cNvPr id="2" name="Title 1">
             <a:extLst>
               <a:ext uri="{FF2B5EF4-FFF2-40B4-BE49-F238E27FC236}">
-                <a16:creationId xmlns="" xmlns:a16="http://schemas.microsoft.com/office/drawing/2014/main" id="{253967F2-5A0B-C248-8CB9-CD7AEEE78A10}"/>
+                <a16:creationId xmlns:a16="http://schemas.microsoft.com/office/drawing/2014/main" xmlns="" id="{253967F2-5A0B-C248-8CB9-CD7AEEE78A10}"/>
               </a:ext>
             </a:extLst>
           </p:cNvPr>
@@ -8612,15 +8587,6 @@
                 <a:latin typeface="Menlo-Regular" charset="0"/>
               </a:rPr>
               <a:t>input</a:t>
-            </a:r>
-            <a:r>
-              <a:rPr lang="en-US" dirty="0" smtClean="0">
-                <a:solidFill>
-                  <a:srgbClr val="000000"/>
-                </a:solidFill>
-                <a:latin typeface="Menlo-Regular" charset="0"/>
-              </a:rPr>
-              <a:t> </a:t>
             </a:r>
             <a:r>
               <a:rPr lang="mr-IN" dirty="0" smtClean="0">
@@ -8722,10 +8688,10 @@
           <p:cNvPr id="8" name="Rectangle 7">
             <a:extLst>
               <a:ext uri="{FF2B5EF4-FFF2-40B4-BE49-F238E27FC236}">
-                <a16:creationId xmlns="" xmlns:a16="http://schemas.microsoft.com/office/drawing/2014/main" id="{597EA66B-2AAB-42B0-9F9D-38920D8D82D7}"/>
+                <a16:creationId xmlns:a16="http://schemas.microsoft.com/office/drawing/2014/main" xmlns="" id="{597EA66B-2AAB-42B0-9F9D-38920D8D82D7}"/>
               </a:ext>
               <a:ext uri="{C183D7F6-B498-43B3-948B-1728B52AA6E4}">
-                <adec:decorative xmlns="" xmlns:adec="http://schemas.microsoft.com/office/drawing/2017/decorative" val="1"/>
+                <adec:decorative xmlns:adec="http://schemas.microsoft.com/office/drawing/2017/decorative" xmlns="" val="1"/>
               </a:ext>
             </a:extLst>
           </p:cNvPr>
@@ -8778,10 +8744,10 @@
           <p:cNvPr id="10" name="Freeform: Shape 9">
             <a:extLst>
               <a:ext uri="{FF2B5EF4-FFF2-40B4-BE49-F238E27FC236}">
-                <a16:creationId xmlns="" xmlns:a16="http://schemas.microsoft.com/office/drawing/2014/main" id="{D360EBE3-31BB-422F-AA87-FA3873DAE484}"/>
+                <a16:creationId xmlns:a16="http://schemas.microsoft.com/office/drawing/2014/main" xmlns="" id="{D360EBE3-31BB-422F-AA87-FA3873DAE484}"/>
               </a:ext>
               <a:ext uri="{C183D7F6-B498-43B3-948B-1728B52AA6E4}">
-                <adec:decorative xmlns="" xmlns:adec="http://schemas.microsoft.com/office/drawing/2017/decorative" val="1"/>
+                <adec:decorative xmlns:adec="http://schemas.microsoft.com/office/drawing/2017/decorative" xmlns="" val="1"/>
               </a:ext>
             </a:extLst>
           </p:cNvPr>
@@ -8969,7 +8935,7 @@
           <a:effectLst/>
           <a:extLst>
             <a:ext uri="{91240B29-F687-4f45-9708-019B960494DF}">
-              <a14:hiddenLine xmlns:a14="http://schemas.microsoft.com/office/drawing/2010/main" xmlns:p14="http://schemas.microsoft.com/office/powerpoint/2010/main" xmlns:a16="http://schemas.microsoft.com/office/drawing/2014/main" xmlns="" w="9525">
+              <a14:hiddenLine xmlns="" xmlns:a16="http://schemas.microsoft.com/office/drawing/2014/main" xmlns:p14="http://schemas.microsoft.com/office/powerpoint/2010/main" xmlns:a14="http://schemas.microsoft.com/office/drawing/2010/main" w="9525">
                 <a:solidFill>
                   <a:srgbClr val="000000"/>
                 </a:solidFill>
@@ -9000,7 +8966,7 @@
           <p:cNvPr id="6" name="Title 1">
             <a:extLst>
               <a:ext uri="{FF2B5EF4-FFF2-40B4-BE49-F238E27FC236}">
-                <a16:creationId xmlns="" xmlns:a16="http://schemas.microsoft.com/office/drawing/2014/main" id="{FD7674F6-73A9-0648-A682-1E6E87D11949}"/>
+                <a16:creationId xmlns:a16="http://schemas.microsoft.com/office/drawing/2014/main" xmlns="" id="{FD7674F6-73A9-0648-A682-1E6E87D11949}"/>
               </a:ext>
             </a:extLst>
           </p:cNvPr>
@@ -9258,7 +9224,7 @@
           <p:cNvPr id="2" name="Title 1">
             <a:extLst>
               <a:ext uri="{FF2B5EF4-FFF2-40B4-BE49-F238E27FC236}">
-                <a16:creationId xmlns="" xmlns:a16="http://schemas.microsoft.com/office/drawing/2014/main" id="{253967F2-5A0B-C248-8CB9-CD7AEEE78A10}"/>
+                <a16:creationId xmlns:a16="http://schemas.microsoft.com/office/drawing/2014/main" xmlns="" id="{253967F2-5A0B-C248-8CB9-CD7AEEE78A10}"/>
               </a:ext>
             </a:extLst>
           </p:cNvPr>
@@ -11024,6 +10990,13 @@
   <p:clrMapOvr>
     <a:masterClrMapping/>
   </p:clrMapOvr>
+  <p:timing>
+    <p:tnLst>
+      <p:par>
+        <p:cTn id="1" dur="indefinite" restart="never" nodeType="tmRoot"/>
+      </p:par>
+    </p:tnLst>
+  </p:timing>
 </p:sld>
 </file>
 
@@ -11748,7 +11721,19 @@
           <a:p>
             <a:r>
               <a:rPr lang="en-US" dirty="0" smtClean="0"/>
-              <a:t>(0, 100)</a:t>
+              <a:t>(100</a:t>
+            </a:r>
+            <a:r>
+              <a:rPr lang="en-US" dirty="0" smtClean="0"/>
+              <a:t>, </a:t>
+            </a:r>
+            <a:r>
+              <a:rPr lang="en-US" dirty="0" smtClean="0"/>
+              <a:t>0</a:t>
+            </a:r>
+            <a:r>
+              <a:rPr lang="en-US" dirty="0" smtClean="0"/>
+              <a:t>)</a:t>
             </a:r>
             <a:endParaRPr lang="en-US" dirty="0"/>
           </a:p>
@@ -11824,6 +11809,13 @@
   <p:clrMapOvr>
     <a:masterClrMapping/>
   </p:clrMapOvr>
+  <p:timing>
+    <p:tnLst>
+      <p:par>
+        <p:cTn id="1" dur="indefinite" restart="never" nodeType="tmRoot"/>
+      </p:par>
+    </p:tnLst>
+  </p:timing>
 </p:sld>
 </file>
 
@@ -11909,11 +11901,7 @@
           <a:p>
             <a:r>
               <a:rPr lang="en-US" dirty="0" smtClean="0"/>
-              <a:t>Project: Draw </a:t>
-            </a:r>
-            <a:r>
-              <a:rPr lang="en-US" dirty="0" smtClean="0"/>
-              <a:t>a house</a:t>
+              <a:t>Project: Draw a house</a:t>
             </a:r>
             <a:endParaRPr lang="en-US" dirty="0"/>
           </a:p>
@@ -13255,6 +13243,13 @@
   <p:clrMapOvr>
     <a:masterClrMapping/>
   </p:clrMapOvr>
+  <p:timing>
+    <p:tnLst>
+      <p:par>
+        <p:cTn id="1" dur="indefinite" restart="never" nodeType="tmRoot"/>
+      </p:par>
+    </p:tnLst>
+  </p:timing>
 </p:sld>
 </file>
 

--- a/lec02/lec02_Turtle.pptx
+++ b/lec02/lec02_Turtle.pptx
@@ -216,7 +216,7 @@
           <a:p>
             <a:fld id="{04FFE712-A26B-0143-8ED7-35E624D38358}" type="datetimeFigureOut">
               <a:rPr lang="en-US" smtClean="0"/>
-              <a:t>6/30/20</a:t>
+              <a:t>7/1/20</a:t>
             </a:fld>
             <a:endParaRPr lang="en-US"/>
           </a:p>
@@ -578,7 +578,7 @@
           <a:effectLst/>
           <a:extLst>
             <a:ext uri="{91240B29-F687-4f45-9708-019B960494DF}">
-              <a14:hiddenLine xmlns:a14="http://schemas.microsoft.com/office/drawing/2010/main" xmlns="" w="9525">
+              <a14:hiddenLine xmlns="" xmlns:a14="http://schemas.microsoft.com/office/drawing/2010/main" w="9525">
                 <a:solidFill>
                   <a:srgbClr val="000000"/>
                 </a:solidFill>
@@ -770,7 +770,7 @@
           <a:p>
             <a:fld id="{BCCC848F-6185-D24C-8AC6-1AEBBA8AB9E9}" type="datetimeFigureOut">
               <a:rPr lang="en-US" smtClean="0"/>
-              <a:t>6/30/20</a:t>
+              <a:t>7/1/20</a:t>
             </a:fld>
             <a:endParaRPr lang="en-US"/>
           </a:p>
@@ -1088,7 +1088,7 @@
           <a:p>
             <a:fld id="{BCCC848F-6185-D24C-8AC6-1AEBBA8AB9E9}" type="datetimeFigureOut">
               <a:rPr lang="en-US" smtClean="0"/>
-              <a:t>6/30/20</a:t>
+              <a:t>7/1/20</a:t>
             </a:fld>
             <a:endParaRPr lang="en-US"/>
           </a:p>
@@ -1576,7 +1576,7 @@
           <a:p>
             <a:fld id="{BCCC848F-6185-D24C-8AC6-1AEBBA8AB9E9}" type="datetimeFigureOut">
               <a:rPr lang="en-US" smtClean="0"/>
-              <a:t>6/30/20</a:t>
+              <a:t>7/1/20</a:t>
             </a:fld>
             <a:endParaRPr lang="en-US"/>
           </a:p>
@@ -1945,7 +1945,7 @@
           <a:p>
             <a:fld id="{BCCC848F-6185-D24C-8AC6-1AEBBA8AB9E9}" type="datetimeFigureOut">
               <a:rPr lang="en-US" smtClean="0"/>
-              <a:t>6/30/20</a:t>
+              <a:t>7/1/20</a:t>
             </a:fld>
             <a:endParaRPr lang="en-US"/>
           </a:p>
@@ -2100,7 +2100,7 @@
           <a:ln/>
           <a:extLst>
             <a:ext uri="{91240B29-F687-4f45-9708-019B960494DF}">
-              <a14:hiddenLine xmlns:a14="http://schemas.microsoft.com/office/drawing/2010/main" xmlns="" w="9525">
+              <a14:hiddenLine xmlns="" xmlns:a14="http://schemas.microsoft.com/office/drawing/2010/main" w="9525">
                 <a:solidFill>
                   <a:srgbClr val="000000"/>
                 </a:solidFill>
@@ -2218,7 +2218,7 @@
           <a:p>
             <a:fld id="{BCCC848F-6185-D24C-8AC6-1AEBBA8AB9E9}" type="datetimeFigureOut">
               <a:rPr lang="en-US" smtClean="0"/>
-              <a:t>6/30/20</a:t>
+              <a:t>7/1/20</a:t>
             </a:fld>
             <a:endParaRPr lang="en-US"/>
           </a:p>
@@ -2375,7 +2375,7 @@
           <a:ln/>
           <a:extLst>
             <a:ext uri="{91240B29-F687-4f45-9708-019B960494DF}">
-              <a14:hiddenLine xmlns:a14="http://schemas.microsoft.com/office/drawing/2010/main" xmlns="" w="9525">
+              <a14:hiddenLine xmlns="" xmlns:a14="http://schemas.microsoft.com/office/drawing/2010/main" w="9525">
                 <a:solidFill>
                   <a:srgbClr val="000000"/>
                 </a:solidFill>
@@ -2503,7 +2503,7 @@
           <a:p>
             <a:fld id="{BCCC848F-6185-D24C-8AC6-1AEBBA8AB9E9}" type="datetimeFigureOut">
               <a:rPr lang="en-US" smtClean="0"/>
-              <a:t>6/30/20</a:t>
+              <a:t>7/1/20</a:t>
             </a:fld>
             <a:endParaRPr lang="en-US"/>
           </a:p>
@@ -2658,7 +2658,7 @@
           <a:ln/>
           <a:extLst>
             <a:ext uri="{91240B29-F687-4f45-9708-019B960494DF}">
-              <a14:hiddenLine xmlns:a14="http://schemas.microsoft.com/office/drawing/2010/main" xmlns="" w="9525">
+              <a14:hiddenLine xmlns="" xmlns:a14="http://schemas.microsoft.com/office/drawing/2010/main" w="9525">
                 <a:solidFill>
                   <a:srgbClr val="000000"/>
                 </a:solidFill>
@@ -2786,7 +2786,7 @@
           <a:p>
             <a:fld id="{BCCC848F-6185-D24C-8AC6-1AEBBA8AB9E9}" type="datetimeFigureOut">
               <a:rPr lang="en-US" smtClean="0"/>
-              <a:t>6/30/20</a:t>
+              <a:t>7/1/20</a:t>
             </a:fld>
             <a:endParaRPr lang="en-US"/>
           </a:p>
@@ -3129,7 +3129,7 @@
           <a:p>
             <a:fld id="{BCCC848F-6185-D24C-8AC6-1AEBBA8AB9E9}" type="datetimeFigureOut">
               <a:rPr lang="en-US" smtClean="0"/>
-              <a:t>6/30/20</a:t>
+              <a:t>7/1/20</a:t>
             </a:fld>
             <a:endParaRPr lang="en-US"/>
           </a:p>
@@ -3284,7 +3284,7 @@
           <a:ln/>
           <a:extLst>
             <a:ext uri="{91240B29-F687-4f45-9708-019B960494DF}">
-              <a14:hiddenLine xmlns:a14="http://schemas.microsoft.com/office/drawing/2010/main" xmlns="" w="9525">
+              <a14:hiddenLine xmlns="" xmlns:a14="http://schemas.microsoft.com/office/drawing/2010/main" w="9525">
                 <a:solidFill>
                   <a:srgbClr val="000000"/>
                 </a:solidFill>
@@ -3468,7 +3468,7 @@
           <a:p>
             <a:fld id="{BCCC848F-6185-D24C-8AC6-1AEBBA8AB9E9}" type="datetimeFigureOut">
               <a:rPr lang="en-US" smtClean="0"/>
-              <a:t>6/30/20</a:t>
+              <a:t>7/1/20</a:t>
             </a:fld>
             <a:endParaRPr lang="en-US"/>
           </a:p>
@@ -3623,7 +3623,7 @@
           <a:ln/>
           <a:extLst>
             <a:ext uri="{91240B29-F687-4f45-9708-019B960494DF}">
-              <a14:hiddenLine xmlns:a14="http://schemas.microsoft.com/office/drawing/2010/main" xmlns="" w="9525">
+              <a14:hiddenLine xmlns="" xmlns:a14="http://schemas.microsoft.com/office/drawing/2010/main" w="9525">
                 <a:solidFill>
                   <a:srgbClr val="000000"/>
                 </a:solidFill>
@@ -3945,7 +3945,7 @@
           <a:p>
             <a:fld id="{BCCC848F-6185-D24C-8AC6-1AEBBA8AB9E9}" type="datetimeFigureOut">
               <a:rPr lang="en-US" smtClean="0"/>
-              <a:t>6/30/20</a:t>
+              <a:t>7/1/20</a:t>
             </a:fld>
             <a:endParaRPr lang="en-US"/>
           </a:p>
@@ -4100,7 +4100,7 @@
           <a:ln/>
           <a:extLst>
             <a:ext uri="{91240B29-F687-4f45-9708-019B960494DF}">
-              <a14:hiddenLine xmlns:a14="http://schemas.microsoft.com/office/drawing/2010/main" xmlns="" w="9525">
+              <a14:hiddenLine xmlns="" xmlns:a14="http://schemas.microsoft.com/office/drawing/2010/main" w="9525">
                 <a:solidFill>
                   <a:srgbClr val="000000"/>
                 </a:solidFill>
@@ -4166,7 +4166,7 @@
           <a:p>
             <a:fld id="{BCCC848F-6185-D24C-8AC6-1AEBBA8AB9E9}" type="datetimeFigureOut">
               <a:rPr lang="en-US" smtClean="0"/>
-              <a:t>6/30/20</a:t>
+              <a:t>7/1/20</a:t>
             </a:fld>
             <a:endParaRPr lang="en-US"/>
           </a:p>
@@ -4261,7 +4261,7 @@
           <a:p>
             <a:fld id="{BCCC848F-6185-D24C-8AC6-1AEBBA8AB9E9}" type="datetimeFigureOut">
               <a:rPr lang="en-US" smtClean="0"/>
-              <a:t>6/30/20</a:t>
+              <a:t>7/1/20</a:t>
             </a:fld>
             <a:endParaRPr lang="en-US"/>
           </a:p>
@@ -4529,7 +4529,7 @@
           <a:ln/>
           <a:extLst>
             <a:ext uri="{91240B29-F687-4f45-9708-019B960494DF}">
-              <a14:hiddenLine xmlns:a14="http://schemas.microsoft.com/office/drawing/2010/main" xmlns="" w="9525">
+              <a14:hiddenLine xmlns="" xmlns:a14="http://schemas.microsoft.com/office/drawing/2010/main" w="9525">
                 <a:solidFill>
                   <a:srgbClr val="000000"/>
                 </a:solidFill>
@@ -4728,7 +4728,7 @@
           <a:p>
             <a:fld id="{BCCC848F-6185-D24C-8AC6-1AEBBA8AB9E9}" type="datetimeFigureOut">
               <a:rPr lang="en-US" smtClean="0"/>
-              <a:t>6/30/20</a:t>
+              <a:t>7/1/20</a:t>
             </a:fld>
             <a:endParaRPr lang="en-US"/>
           </a:p>
@@ -5041,7 +5041,7 @@
           <a:p>
             <a:fld id="{BCCC848F-6185-D24C-8AC6-1AEBBA8AB9E9}" type="datetimeFigureOut">
               <a:rPr lang="en-US" smtClean="0"/>
-              <a:t>6/30/20</a:t>
+              <a:t>7/1/20</a:t>
             </a:fld>
             <a:endParaRPr lang="en-US"/>
           </a:p>
@@ -5311,7 +5311,7 @@
           <a:p>
             <a:fld id="{BCCC848F-6185-D24C-8AC6-1AEBBA8AB9E9}" type="datetimeFigureOut">
               <a:rPr lang="en-US" smtClean="0"/>
-              <a:t>6/30/20</a:t>
+              <a:t>7/1/20</a:t>
             </a:fld>
             <a:endParaRPr lang="en-US"/>
           </a:p>
@@ -7382,7 +7382,7 @@
           <p:cNvPr id="25" name="Content Placeholder 4" descr="A screenshot of a cell phone screen with text&#10;&#10;Description automatically generated">
             <a:extLst>
               <a:ext uri="{FF2B5EF4-FFF2-40B4-BE49-F238E27FC236}">
-                <a16:creationId xmlns:a16="http://schemas.microsoft.com/office/drawing/2014/main" xmlns="" id="{84B4EEE6-6018-CD43-8802-133A2DC052B0}"/>
+                <a16:creationId xmlns="" xmlns:a16="http://schemas.microsoft.com/office/drawing/2014/main" id="{84B4EEE6-6018-CD43-8802-133A2DC052B0}"/>
               </a:ext>
             </a:extLst>
           </p:cNvPr>
@@ -7425,7 +7425,7 @@
           <p:cNvPr id="24" name="Content Placeholder 10" descr="A screenshot of a cell phone&#10;&#10;Description automatically generated">
             <a:extLst>
               <a:ext uri="{FF2B5EF4-FFF2-40B4-BE49-F238E27FC236}">
-                <a16:creationId xmlns:a16="http://schemas.microsoft.com/office/drawing/2014/main" xmlns="" id="{6F15604A-9FC5-5B4D-9780-A0ECBD348DFE}"/>
+                <a16:creationId xmlns="" xmlns:a16="http://schemas.microsoft.com/office/drawing/2014/main" id="{6F15604A-9FC5-5B4D-9780-A0ECBD348DFE}"/>
               </a:ext>
             </a:extLst>
           </p:cNvPr>
@@ -7461,7 +7461,7 @@
           <p:cNvPr id="2" name="Title 1">
             <a:extLst>
               <a:ext uri="{FF2B5EF4-FFF2-40B4-BE49-F238E27FC236}">
-                <a16:creationId xmlns:a16="http://schemas.microsoft.com/office/drawing/2014/main" xmlns="" id="{918868B3-A663-1844-AFE8-A6FDAE3B385E}"/>
+                <a16:creationId xmlns="" xmlns:a16="http://schemas.microsoft.com/office/drawing/2014/main" id="{918868B3-A663-1844-AFE8-A6FDAE3B385E}"/>
               </a:ext>
             </a:extLst>
           </p:cNvPr>
@@ -7501,7 +7501,7 @@
           <p:cNvPr id="23" name="Content Placeholder 22">
             <a:extLst>
               <a:ext uri="{FF2B5EF4-FFF2-40B4-BE49-F238E27FC236}">
-                <a16:creationId xmlns:a16="http://schemas.microsoft.com/office/drawing/2014/main" xmlns="" id="{47EEC4B3-E683-4E4C-BAC2-A66AD7C059D7}"/>
+                <a16:creationId xmlns="" xmlns:a16="http://schemas.microsoft.com/office/drawing/2014/main" id="{47EEC4B3-E683-4E4C-BAC2-A66AD7C059D7}"/>
               </a:ext>
             </a:extLst>
           </p:cNvPr>
@@ -7570,7 +7570,7 @@
           <p:cNvPr id="26" name="Straight Arrow Connector 25">
             <a:extLst>
               <a:ext uri="{FF2B5EF4-FFF2-40B4-BE49-F238E27FC236}">
-                <a16:creationId xmlns:a16="http://schemas.microsoft.com/office/drawing/2014/main" xmlns="" id="{A68FF25F-92EB-AE4D-B49A-9D535DFDCC05}"/>
+                <a16:creationId xmlns="" xmlns:a16="http://schemas.microsoft.com/office/drawing/2014/main" id="{A68FF25F-92EB-AE4D-B49A-9D535DFDCC05}"/>
               </a:ext>
             </a:extLst>
           </p:cNvPr>
@@ -7612,7 +7612,7 @@
           <p:cNvPr id="27" name="Frame 26">
             <a:extLst>
               <a:ext uri="{FF2B5EF4-FFF2-40B4-BE49-F238E27FC236}">
-                <a16:creationId xmlns:a16="http://schemas.microsoft.com/office/drawing/2014/main" xmlns="" id="{3DD01559-3DB0-CB4B-A2F0-6B74C049CAB4}"/>
+                <a16:creationId xmlns="" xmlns:a16="http://schemas.microsoft.com/office/drawing/2014/main" id="{3DD01559-3DB0-CB4B-A2F0-6B74C049CAB4}"/>
               </a:ext>
             </a:extLst>
           </p:cNvPr>
@@ -7670,7 +7670,7 @@
           <p:cNvPr id="29" name="Frame 28">
             <a:extLst>
               <a:ext uri="{FF2B5EF4-FFF2-40B4-BE49-F238E27FC236}">
-                <a16:creationId xmlns:a16="http://schemas.microsoft.com/office/drawing/2014/main" xmlns="" id="{3B16BB6E-A2C4-1740-94D2-9BE2DBECE1BD}"/>
+                <a16:creationId xmlns="" xmlns:a16="http://schemas.microsoft.com/office/drawing/2014/main" id="{3B16BB6E-A2C4-1740-94D2-9BE2DBECE1BD}"/>
               </a:ext>
             </a:extLst>
           </p:cNvPr>
@@ -7728,7 +7728,7 @@
           <p:cNvPr id="4" name="Rectangle 3">
             <a:extLst>
               <a:ext uri="{FF2B5EF4-FFF2-40B4-BE49-F238E27FC236}">
-                <a16:creationId xmlns:a16="http://schemas.microsoft.com/office/drawing/2014/main" xmlns="" id="{29EB7B19-7B95-FE4C-AADF-BBF7E26E6825}"/>
+                <a16:creationId xmlns="" xmlns:a16="http://schemas.microsoft.com/office/drawing/2014/main" id="{29EB7B19-7B95-FE4C-AADF-BBF7E26E6825}"/>
               </a:ext>
             </a:extLst>
           </p:cNvPr>
@@ -7975,7 +7975,7 @@
           <p:cNvPr id="2" name="Title 1">
             <a:extLst>
               <a:ext uri="{FF2B5EF4-FFF2-40B4-BE49-F238E27FC236}">
-                <a16:creationId xmlns:a16="http://schemas.microsoft.com/office/drawing/2014/main" xmlns="" id="{253967F2-5A0B-C248-8CB9-CD7AEEE78A10}"/>
+                <a16:creationId xmlns="" xmlns:a16="http://schemas.microsoft.com/office/drawing/2014/main" id="{253967F2-5A0B-C248-8CB9-CD7AEEE78A10}"/>
               </a:ext>
             </a:extLst>
           </p:cNvPr>
@@ -8688,10 +8688,10 @@
           <p:cNvPr id="8" name="Rectangle 7">
             <a:extLst>
               <a:ext uri="{FF2B5EF4-FFF2-40B4-BE49-F238E27FC236}">
-                <a16:creationId xmlns:a16="http://schemas.microsoft.com/office/drawing/2014/main" xmlns="" id="{597EA66B-2AAB-42B0-9F9D-38920D8D82D7}"/>
+                <a16:creationId xmlns="" xmlns:a16="http://schemas.microsoft.com/office/drawing/2014/main" id="{597EA66B-2AAB-42B0-9F9D-38920D8D82D7}"/>
               </a:ext>
               <a:ext uri="{C183D7F6-B498-43B3-948B-1728B52AA6E4}">
-                <adec:decorative xmlns:adec="http://schemas.microsoft.com/office/drawing/2017/decorative" xmlns="" val="1"/>
+                <adec:decorative xmlns="" xmlns:adec="http://schemas.microsoft.com/office/drawing/2017/decorative" val="1"/>
               </a:ext>
             </a:extLst>
           </p:cNvPr>
@@ -8744,10 +8744,10 @@
           <p:cNvPr id="10" name="Freeform: Shape 9">
             <a:extLst>
               <a:ext uri="{FF2B5EF4-FFF2-40B4-BE49-F238E27FC236}">
-                <a16:creationId xmlns:a16="http://schemas.microsoft.com/office/drawing/2014/main" xmlns="" id="{D360EBE3-31BB-422F-AA87-FA3873DAE484}"/>
+                <a16:creationId xmlns="" xmlns:a16="http://schemas.microsoft.com/office/drawing/2014/main" id="{D360EBE3-31BB-422F-AA87-FA3873DAE484}"/>
               </a:ext>
               <a:ext uri="{C183D7F6-B498-43B3-948B-1728B52AA6E4}">
-                <adec:decorative xmlns:adec="http://schemas.microsoft.com/office/drawing/2017/decorative" xmlns="" val="1"/>
+                <adec:decorative xmlns="" xmlns:adec="http://schemas.microsoft.com/office/drawing/2017/decorative" val="1"/>
               </a:ext>
             </a:extLst>
           </p:cNvPr>
@@ -8935,7 +8935,7 @@
           <a:effectLst/>
           <a:extLst>
             <a:ext uri="{91240B29-F687-4f45-9708-019B960494DF}">
-              <a14:hiddenLine xmlns="" xmlns:a16="http://schemas.microsoft.com/office/drawing/2014/main" xmlns:p14="http://schemas.microsoft.com/office/powerpoint/2010/main" xmlns:a14="http://schemas.microsoft.com/office/drawing/2010/main" w="9525">
+              <a14:hiddenLine xmlns:a14="http://schemas.microsoft.com/office/drawing/2010/main" xmlns:p14="http://schemas.microsoft.com/office/powerpoint/2010/main" xmlns:a16="http://schemas.microsoft.com/office/drawing/2014/main" xmlns="" w="9525">
                 <a:solidFill>
                   <a:srgbClr val="000000"/>
                 </a:solidFill>
@@ -8966,7 +8966,7 @@
           <p:cNvPr id="6" name="Title 1">
             <a:extLst>
               <a:ext uri="{FF2B5EF4-FFF2-40B4-BE49-F238E27FC236}">
-                <a16:creationId xmlns:a16="http://schemas.microsoft.com/office/drawing/2014/main" xmlns="" id="{FD7674F6-73A9-0648-A682-1E6E87D11949}"/>
+                <a16:creationId xmlns="" xmlns:a16="http://schemas.microsoft.com/office/drawing/2014/main" id="{FD7674F6-73A9-0648-A682-1E6E87D11949}"/>
               </a:ext>
             </a:extLst>
           </p:cNvPr>
@@ -9224,7 +9224,7 @@
           <p:cNvPr id="2" name="Title 1">
             <a:extLst>
               <a:ext uri="{FF2B5EF4-FFF2-40B4-BE49-F238E27FC236}">
-                <a16:creationId xmlns:a16="http://schemas.microsoft.com/office/drawing/2014/main" xmlns="" id="{253967F2-5A0B-C248-8CB9-CD7AEEE78A10}"/>
+                <a16:creationId xmlns="" xmlns:a16="http://schemas.microsoft.com/office/drawing/2014/main" id="{253967F2-5A0B-C248-8CB9-CD7AEEE78A10}"/>
               </a:ext>
             </a:extLst>
           </p:cNvPr>
@@ -11721,19 +11721,7 @@
           <a:p>
             <a:r>
               <a:rPr lang="en-US" dirty="0" smtClean="0"/>
-              <a:t>(100</a:t>
-            </a:r>
-            <a:r>
-              <a:rPr lang="en-US" dirty="0" smtClean="0"/>
-              <a:t>, </a:t>
-            </a:r>
-            <a:r>
-              <a:rPr lang="en-US" dirty="0" smtClean="0"/>
-              <a:t>0</a:t>
-            </a:r>
-            <a:r>
-              <a:rPr lang="en-US" dirty="0" smtClean="0"/>
-              <a:t>)</a:t>
+              <a:t>(100, 0)</a:t>
             </a:r>
             <a:endParaRPr lang="en-US" dirty="0"/>
           </a:p>
